--- a/仕様書.pptx
+++ b/仕様書.pptx
@@ -17620,14 +17620,14 @@
           <p:nvPr>
             <p:extLst>
               <p:ext uri="{D42A27DB-BD31-4B8C-83A1-F6EECF244321}">
-                <p14:modId xmlns:p14="http://schemas.microsoft.com/office/powerpoint/2010/main" val="3063370559"/>
+                <p14:modId xmlns:p14="http://schemas.microsoft.com/office/powerpoint/2010/main" val="4163733708"/>
               </p:ext>
             </p:extLst>
           </p:nvPr>
         </p:nvGraphicFramePr>
         <p:xfrm>
           <a:off x="312116" y="1066972"/>
-          <a:ext cx="8080588" cy="3251271"/>
+          <a:ext cx="8080588" cy="3070038"/>
         </p:xfrm>
         <a:graphic>
           <a:graphicData uri="http://schemas.openxmlformats.org/drawingml/2006/table">
@@ -17679,7 +17679,7 @@
                   </a:extLst>
                 </a:gridCol>
               </a:tblGrid>
-              <a:tr h="522931">
+              <a:tr h="341698">
                 <a:tc rowSpan="2">
                   <a:txBody>
                     <a:bodyPr/>

--- a/仕様書.pptx
+++ b/仕様書.pptx
@@ -17620,14 +17620,14 @@
           <p:nvPr>
             <p:extLst>
               <p:ext uri="{D42A27DB-BD31-4B8C-83A1-F6EECF244321}">
-                <p14:modId xmlns:p14="http://schemas.microsoft.com/office/powerpoint/2010/main" val="4163733708"/>
+                <p14:modId xmlns:p14="http://schemas.microsoft.com/office/powerpoint/2010/main" val="3063370559"/>
               </p:ext>
             </p:extLst>
           </p:nvPr>
         </p:nvGraphicFramePr>
         <p:xfrm>
           <a:off x="312116" y="1066972"/>
-          <a:ext cx="8080588" cy="3070038"/>
+          <a:ext cx="8080588" cy="3251271"/>
         </p:xfrm>
         <a:graphic>
           <a:graphicData uri="http://schemas.openxmlformats.org/drawingml/2006/table">
@@ -17679,7 +17679,7 @@
                   </a:extLst>
                 </a:gridCol>
               </a:tblGrid>
-              <a:tr h="341698">
+              <a:tr h="522931">
                 <a:tc rowSpan="2">
                   <a:txBody>
                     <a:bodyPr/>

--- a/仕様書.pptx
+++ b/仕様書.pptx
@@ -17620,7 +17620,7 @@
           <p:nvPr>
             <p:extLst>
               <p:ext uri="{D42A27DB-BD31-4B8C-83A1-F6EECF244321}">
-                <p14:modId xmlns:p14="http://schemas.microsoft.com/office/powerpoint/2010/main" val="3063370559"/>
+                <p14:modId xmlns:p14="http://schemas.microsoft.com/office/powerpoint/2010/main" val="38364409"/>
               </p:ext>
             </p:extLst>
           </p:nvPr>
@@ -18363,7 +18363,7 @@
                           <a:latin typeface="+mn-ea"/>
                           <a:ea typeface="+mn-ea"/>
                         </a:rPr>
-                        <a:t>itemColor</a:t>
+                        <a:t>tabColor</a:t>
                       </a:r>
                       <a:endParaRPr kumimoji="1" lang="ja-JP" altLang="en-US">
                         <a:latin typeface="+mn-ea"/>

--- a/仕様書.pptx
+++ b/仕様書.pptx
@@ -17620,7 +17620,7 @@
           <p:nvPr>
             <p:extLst>
               <p:ext uri="{D42A27DB-BD31-4B8C-83A1-F6EECF244321}">
-                <p14:modId xmlns:p14="http://schemas.microsoft.com/office/powerpoint/2010/main" val="38364409"/>
+                <p14:modId xmlns:p14="http://schemas.microsoft.com/office/powerpoint/2010/main" val="851548964"/>
               </p:ext>
             </p:extLst>
           </p:nvPr>
@@ -18460,7 +18460,7 @@
                           <a:latin typeface="+mn-ea"/>
                           <a:ea typeface="+mn-ea"/>
                         </a:rPr>
-                        <a:t>・基本のアイテムカラー</a:t>
+                        <a:t>・基本の背景色</a:t>
                       </a:r>
                     </a:p>
                   </a:txBody>
@@ -18907,8 +18907,33 @@
                           <a:latin typeface="+mn-ea"/>
                           <a:ea typeface="+mn-ea"/>
                         </a:rPr>
-                        <a:t>・基本の背景色</a:t>
+                        <a:t>・</a:t>
                       </a:r>
+                      <a:r>
+                        <a:rPr kumimoji="1" lang="en-US" altLang="ja-JP">
+                          <a:latin typeface="+mn-ea"/>
+                          <a:ea typeface="+mn-ea"/>
+                        </a:rPr>
+                        <a:t>(</a:t>
+                      </a:r>
+                      <a:r>
+                        <a:rPr kumimoji="1" lang="ja-JP" altLang="en-US">
+                          <a:latin typeface="+mn-ea"/>
+                          <a:ea typeface="+mn-ea"/>
+                        </a:rPr>
+                        <a:t>基本の背景色</a:t>
+                      </a:r>
+                      <a:r>
+                        <a:rPr kumimoji="1" lang="en-US" altLang="ja-JP">
+                          <a:latin typeface="+mn-ea"/>
+                          <a:ea typeface="+mn-ea"/>
+                        </a:rPr>
+                        <a:t>)</a:t>
+                      </a:r>
+                      <a:endParaRPr kumimoji="1" lang="ja-JP" altLang="en-US">
+                        <a:latin typeface="+mn-ea"/>
+                        <a:ea typeface="+mn-ea"/>
+                      </a:endParaRPr>
                     </a:p>
                   </a:txBody>
                   <a:tcPr anchor="ctr">

--- a/仕様書.pptx
+++ b/仕様書.pptx
@@ -16936,7 +16936,7 @@
                   <a:srgbClr val="00081A"/>
                 </a:solidFill>
               </a:rPr>
-              <a:t>ReportChat</a:t>
+              <a:t>レポートーク</a:t>
             </a:r>
             <a:endParaRPr sz="4000">
               <a:solidFill>
@@ -17500,7 +17500,7 @@
         <p:spPr>
           <a:xfrm>
             <a:off x="312116" y="226468"/>
-            <a:ext cx="6527100" cy="389337"/>
+            <a:ext cx="6527100" cy="283154"/>
           </a:xfrm>
           <a:prstGeom prst="rect">
             <a:avLst/>
@@ -17529,7 +17529,7 @@
               <a:buNone/>
             </a:pPr>
             <a:r>
-              <a:rPr lang="ja-JP" altLang="en-US" sz="2200" b="1">
+              <a:rPr lang="ja-JP" altLang="en-US" sz="1600" b="1">
                 <a:solidFill>
                   <a:srgbClr val="00081A"/>
                 </a:solidFill>
@@ -17537,14 +17537,14 @@
               <a:t>カラー定義</a:t>
             </a:r>
             <a:r>
-              <a:rPr lang="ja" sz="2200" b="1">
+              <a:rPr lang="ja" sz="1600" b="1">
                 <a:solidFill>
                   <a:srgbClr val="00081A"/>
                 </a:solidFill>
               </a:rPr>
               <a:t> </a:t>
             </a:r>
-            <a:endParaRPr sz="2200" b="1">
+            <a:endParaRPr sz="1600" b="1">
               <a:solidFill>
                 <a:srgbClr val="00081A"/>
               </a:solidFill>
@@ -17560,8 +17560,8 @@
         </p:nvSpPr>
         <p:spPr>
           <a:xfrm>
-            <a:off x="247650" y="742292"/>
-            <a:ext cx="8648700" cy="54600"/>
+            <a:off x="247650" y="563411"/>
+            <a:ext cx="8648700" cy="18000"/>
           </a:xfrm>
           <a:prstGeom prst="rect">
             <a:avLst/>
@@ -17620,19 +17620,22 @@
           <p:nvPr>
             <p:extLst>
               <p:ext uri="{D42A27DB-BD31-4B8C-83A1-F6EECF244321}">
-                <p14:modId xmlns:p14="http://schemas.microsoft.com/office/powerpoint/2010/main" val="851548964"/>
+                <p14:modId xmlns:p14="http://schemas.microsoft.com/office/powerpoint/2010/main" val="1118415916"/>
               </p:ext>
             </p:extLst>
           </p:nvPr>
         </p:nvGraphicFramePr>
         <p:xfrm>
-          <a:off x="312116" y="1066972"/>
-          <a:ext cx="8080588" cy="3251271"/>
+          <a:off x="561023" y="368045"/>
+          <a:ext cx="8021954" cy="4663440"/>
         </p:xfrm>
         <a:graphic>
           <a:graphicData uri="http://schemas.openxmlformats.org/drawingml/2006/table">
             <a:tbl>
               <a:tblPr firstRow="1" bandRow="1">
+                <a:solidFill>
+                  <a:srgbClr val="E6E6E6"/>
+                </a:solidFill>
                 <a:tableStyleId>{5C22544A-7EE6-4342-B048-85BDC9FD1C3A}</a:tableStyleId>
               </a:tblPr>
               <a:tblGrid>
@@ -17643,7 +17646,7 @@
                     </a:ext>
                   </a:extLst>
                 </a:gridCol>
-                <a:gridCol w="2205630">
+                <a:gridCol w="2146996">
                   <a:extLst>
                     <a:ext uri="{9D8B030D-6E8A-4147-A177-3AD203B41FA5}">
                       <a16:colId xmlns:a16="http://schemas.microsoft.com/office/drawing/2014/main" val="2621094016"/>
@@ -17679,7 +17682,7 @@
                   </a:extLst>
                 </a:gridCol>
               </a:tblGrid>
-              <a:tr h="522931">
+              <a:tr h="264135">
                 <a:tc rowSpan="2">
                   <a:txBody>
                     <a:bodyPr/>
@@ -17687,7 +17690,7 @@
                     <a:p>
                       <a:pPr algn="ctr"/>
                       <a:r>
-                        <a:rPr kumimoji="1" lang="ja-JP" altLang="en-US" b="1">
+                        <a:rPr kumimoji="1" lang="ja-JP" altLang="en-US" sz="1200" b="1">
                           <a:solidFill>
                             <a:srgbClr val="00081A"/>
                           </a:solidFill>
@@ -17763,7 +17766,7 @@
                     <a:p>
                       <a:pPr algn="ctr"/>
                       <a:r>
-                        <a:rPr kumimoji="1" lang="ja-JP" altLang="en-US" b="1">
+                        <a:rPr kumimoji="1" lang="ja-JP" altLang="en-US" sz="1200" b="1">
                           <a:solidFill>
                             <a:srgbClr val="00081A"/>
                           </a:solidFill>
@@ -17839,14 +17842,14 @@
                     <a:p>
                       <a:pPr algn="ctr"/>
                       <a:r>
-                        <a:rPr kumimoji="1" lang="en-US" altLang="ja-JP" b="1">
+                        <a:rPr kumimoji="1" lang="en-US" altLang="ja-JP" sz="1200" b="1">
                           <a:solidFill>
                             <a:srgbClr val="00081A"/>
                           </a:solidFill>
                         </a:rPr>
                         <a:t>LightMode</a:t>
                       </a:r>
-                      <a:endParaRPr kumimoji="1" lang="ja-JP" altLang="en-US" b="1">
+                      <a:endParaRPr kumimoji="1" lang="ja-JP" altLang="en-US" sz="1200" b="1">
                         <a:solidFill>
                           <a:srgbClr val="00081A"/>
                         </a:solidFill>
@@ -17930,14 +17933,14 @@
                     <a:p>
                       <a:pPr algn="ctr"/>
                       <a:r>
-                        <a:rPr kumimoji="1" lang="en-US" altLang="ja-JP" b="1">
+                        <a:rPr kumimoji="1" lang="en-US" altLang="ja-JP" sz="1200" b="1">
                           <a:solidFill>
                             <a:srgbClr val="00081A"/>
                           </a:solidFill>
                         </a:rPr>
                         <a:t>DarkMode</a:t>
                       </a:r>
-                      <a:endParaRPr kumimoji="1" lang="ja-JP" altLang="en-US" b="1">
+                      <a:endParaRPr kumimoji="1" lang="ja-JP" altLang="en-US" sz="1200" b="1">
                         <a:solidFill>
                           <a:srgbClr val="00081A"/>
                         </a:solidFill>
@@ -18020,7 +18023,7 @@
                   </a:ext>
                 </a:extLst>
               </a:tr>
-              <a:tr h="0">
+              <a:tr h="264135">
                 <a:tc vMerge="1">
                   <a:txBody>
                     <a:bodyPr/>
@@ -18048,7 +18051,7 @@
                     <a:p>
                       <a:pPr algn="ctr"/>
                       <a:r>
-                        <a:rPr kumimoji="1" lang="ja-JP" altLang="en-US" b="1">
+                        <a:rPr kumimoji="1" lang="ja-JP" altLang="en-US" sz="1200" b="1">
                           <a:solidFill>
                             <a:srgbClr val="00081A"/>
                           </a:solidFill>
@@ -18124,7 +18127,7 @@
                     <a:p>
                       <a:pPr algn="ctr"/>
                       <a:r>
-                        <a:rPr kumimoji="1" lang="ja-JP" altLang="en-US" b="1">
+                        <a:rPr kumimoji="1" lang="ja-JP" altLang="en-US" sz="1200" b="1">
                           <a:solidFill>
                             <a:srgbClr val="00081A"/>
                           </a:solidFill>
@@ -18200,7 +18203,7 @@
                     <a:p>
                       <a:pPr algn="ctr"/>
                       <a:r>
-                        <a:rPr kumimoji="1" lang="ja-JP" altLang="en-US" b="1">
+                        <a:rPr kumimoji="1" lang="ja-JP" altLang="en-US" sz="1200" b="1">
                           <a:solidFill>
                             <a:srgbClr val="00081A"/>
                           </a:solidFill>
@@ -18276,7 +18279,7 @@
                     <a:p>
                       <a:pPr algn="ctr"/>
                       <a:r>
-                        <a:rPr kumimoji="1" lang="ja-JP" altLang="en-US" b="1">
+                        <a:rPr kumimoji="1" lang="ja-JP" altLang="en-US" sz="1200" b="1">
                           <a:solidFill>
                             <a:srgbClr val="00081A"/>
                           </a:solidFill>
@@ -18351,7 +18354,7 @@
                   </a:ext>
                 </a:extLst>
               </a:tr>
-              <a:tr h="593124">
+              <a:tr h="440225">
                 <a:tc>
                   <a:txBody>
                     <a:bodyPr/>
@@ -18359,13 +18362,13 @@
                     <a:p>
                       <a:pPr algn="ctr"/>
                       <a:r>
-                        <a:rPr kumimoji="1" lang="en-US" altLang="ja-JP">
+                        <a:rPr kumimoji="1" lang="en-US" altLang="ja-JP" sz="1050">
                           <a:latin typeface="+mn-ea"/>
                           <a:ea typeface="+mn-ea"/>
                         </a:rPr>
                         <a:t>tabColor</a:t>
                       </a:r>
-                      <a:endParaRPr kumimoji="1" lang="ja-JP" altLang="en-US">
+                      <a:endParaRPr kumimoji="1" lang="ja-JP" altLang="en-US" sz="1050">
                         <a:latin typeface="+mn-ea"/>
                         <a:ea typeface="+mn-ea"/>
                       </a:endParaRPr>
@@ -18428,27 +18431,27 @@
                     <a:p>
                       <a:pPr algn="l"/>
                       <a:r>
-                        <a:rPr kumimoji="1" lang="ja-JP" altLang="en-US">
+                        <a:rPr kumimoji="1" lang="ja-JP" altLang="en-US" sz="800">
                           <a:latin typeface="+mn-ea"/>
                           <a:ea typeface="+mn-ea"/>
                         </a:rPr>
                         <a:t>・</a:t>
                       </a:r>
                       <a:r>
-                        <a:rPr kumimoji="1" lang="en-US" altLang="ja-JP">
+                        <a:rPr kumimoji="1" lang="en-US" altLang="ja-JP" sz="800">
                           <a:latin typeface="+mn-ea"/>
                           <a:ea typeface="+mn-ea"/>
                         </a:rPr>
                         <a:t>TabView</a:t>
                       </a:r>
                       <a:r>
-                        <a:rPr kumimoji="1" lang="ja-JP" altLang="en-US">
+                        <a:rPr kumimoji="1" lang="ja-JP" altLang="en-US" sz="800">
                           <a:latin typeface="+mn-ea"/>
                           <a:ea typeface="+mn-ea"/>
                         </a:rPr>
                         <a:t>の背景色</a:t>
                       </a:r>
-                      <a:endParaRPr kumimoji="1" lang="en-US" altLang="ja-JP">
+                      <a:endParaRPr kumimoji="1" lang="en-US" altLang="ja-JP" sz="800">
                         <a:latin typeface="+mn-ea"/>
                         <a:ea typeface="+mn-ea"/>
                       </a:endParaRPr>
@@ -18456,7 +18459,7 @@
                     <a:p>
                       <a:pPr algn="l"/>
                       <a:r>
-                        <a:rPr kumimoji="1" lang="ja-JP" altLang="en-US">
+                        <a:rPr kumimoji="1" lang="ja-JP" altLang="en-US" sz="800">
                           <a:latin typeface="+mn-ea"/>
                           <a:ea typeface="+mn-ea"/>
                         </a:rPr>
@@ -18520,23 +18523,20 @@
                     <a:lstStyle/>
                     <a:p>
                       <a:pPr algn="ctr"/>
-                      <a:r>
-                        <a:rPr kumimoji="1" lang="ja-JP" altLang="en-US" sz="2400" strike="noStrike">
-                          <a:solidFill>
-                            <a:schemeClr val="bg1"/>
-                          </a:solidFill>
-                          <a:effectLst>
-                            <a:outerShdw blurRad="63500" sx="102000" sy="102000" algn="ctr" rotWithShape="0">
-                              <a:prstClr val="black">
-                                <a:alpha val="40000"/>
-                              </a:prstClr>
-                            </a:outerShdw>
-                          </a:effectLst>
-                          <a:latin typeface="+mn-ea"/>
-                          <a:ea typeface="+mn-ea"/>
-                        </a:rPr>
-                        <a:t>◼︎</a:t>
-                      </a:r>
+                      <a:endParaRPr kumimoji="1" lang="ja-JP" altLang="en-US" sz="2400" strike="noStrike">
+                        <a:solidFill>
+                          <a:schemeClr val="bg1"/>
+                        </a:solidFill>
+                        <a:effectLst>
+                          <a:outerShdw blurRad="63500" sx="102000" sy="102000" algn="ctr" rotWithShape="0">
+                            <a:prstClr val="black">
+                              <a:alpha val="40000"/>
+                            </a:prstClr>
+                          </a:outerShdw>
+                        </a:effectLst>
+                        <a:latin typeface="+mn-ea"/>
+                        <a:ea typeface="+mn-ea"/>
+                      </a:endParaRPr>
                     </a:p>
                   </a:txBody>
                   <a:tcPr anchor="ctr">
@@ -18596,13 +18596,13 @@
                     <a:p>
                       <a:pPr algn="ctr"/>
                       <a:r>
-                        <a:rPr kumimoji="1" lang="en-US" altLang="ja-JP">
+                        <a:rPr kumimoji="1" lang="en-US" altLang="ja-JP" sz="1000">
                           <a:latin typeface="+mn-ea"/>
                           <a:ea typeface="+mn-ea"/>
                         </a:rPr>
                         <a:t>#FFFFFF</a:t>
                       </a:r>
-                      <a:endParaRPr kumimoji="1" lang="ja-JP" altLang="en-US">
+                      <a:endParaRPr kumimoji="1" lang="ja-JP" altLang="en-US" sz="1000">
                         <a:latin typeface="+mn-ea"/>
                         <a:ea typeface="+mn-ea"/>
                       </a:endParaRPr>
@@ -18682,23 +18682,20 @@
                         <a:tabLst/>
                         <a:defRPr/>
                       </a:pPr>
-                      <a:r>
-                        <a:rPr kumimoji="1" lang="ja-JP" altLang="en-US" sz="2400" strike="noStrike">
-                          <a:solidFill>
-                            <a:srgbClr val="141414"/>
-                          </a:solidFill>
-                          <a:effectLst>
-                            <a:outerShdw blurRad="63500" sx="102000" sy="102000" algn="ctr" rotWithShape="0">
-                              <a:prstClr val="black">
-                                <a:alpha val="40000"/>
-                              </a:prstClr>
-                            </a:outerShdw>
-                          </a:effectLst>
-                          <a:latin typeface="+mn-ea"/>
-                          <a:ea typeface="+mn-ea"/>
-                        </a:rPr>
-                        <a:t>◼︎</a:t>
-                      </a:r>
+                      <a:endParaRPr kumimoji="1" lang="ja-JP" altLang="en-US" sz="2400" strike="noStrike">
+                        <a:solidFill>
+                          <a:srgbClr val="141414"/>
+                        </a:solidFill>
+                        <a:effectLst>
+                          <a:outerShdw blurRad="63500" sx="102000" sy="102000" algn="ctr" rotWithShape="0">
+                            <a:prstClr val="black">
+                              <a:alpha val="40000"/>
+                            </a:prstClr>
+                          </a:outerShdw>
+                        </a:effectLst>
+                        <a:latin typeface="+mn-ea"/>
+                        <a:ea typeface="+mn-ea"/>
+                      </a:endParaRPr>
                     </a:p>
                   </a:txBody>
                   <a:tcPr anchor="ctr">
@@ -18747,7 +18744,7 @@
                       <a:tailEnd type="none" w="med" len="med"/>
                     </a:lnB>
                     <a:solidFill>
-                      <a:schemeClr val="bg1"/>
+                      <a:srgbClr val="141414"/>
                     </a:solidFill>
                   </a:tcPr>
                 </a:tc>
@@ -18758,13 +18755,13 @@
                     <a:p>
                       <a:pPr algn="ctr"/>
                       <a:r>
-                        <a:rPr kumimoji="1" lang="en-US" altLang="ja-JP">
+                        <a:rPr kumimoji="1" lang="en-US" altLang="ja-JP" sz="1050">
                           <a:latin typeface="+mn-ea"/>
                           <a:ea typeface="+mn-ea"/>
                         </a:rPr>
                         <a:t>#141414</a:t>
                       </a:r>
-                      <a:endParaRPr kumimoji="1" lang="ja-JP" altLang="en-US">
+                      <a:endParaRPr kumimoji="1" lang="ja-JP" altLang="en-US" sz="1050">
                         <a:latin typeface="+mn-ea"/>
                         <a:ea typeface="+mn-ea"/>
                       </a:endParaRPr>
@@ -18826,7 +18823,7 @@
                   </a:ext>
                 </a:extLst>
               </a:tr>
-              <a:tr h="371526">
+              <a:tr h="440225">
                 <a:tc>
                   <a:txBody>
                     <a:bodyPr/>
@@ -18834,13 +18831,13 @@
                     <a:p>
                       <a:pPr algn="ctr"/>
                       <a:r>
-                        <a:rPr kumimoji="1" lang="en-US" altLang="ja-JP">
+                        <a:rPr kumimoji="1" lang="en-US" altLang="ja-JP" sz="1050">
                           <a:latin typeface="+mn-ea"/>
                           <a:ea typeface="+mn-ea"/>
                         </a:rPr>
                         <a:t>backColor</a:t>
                       </a:r>
-                      <a:endParaRPr kumimoji="1" lang="ja-JP" altLang="en-US">
+                      <a:endParaRPr kumimoji="1" lang="ja-JP" altLang="en-US" sz="1050">
                         <a:latin typeface="+mn-ea"/>
                         <a:ea typeface="+mn-ea"/>
                       </a:endParaRPr>
@@ -18903,34 +18900,34 @@
                     <a:p>
                       <a:pPr algn="l"/>
                       <a:r>
-                        <a:rPr kumimoji="1" lang="ja-JP" altLang="en-US">
+                        <a:rPr kumimoji="1" lang="ja-JP" altLang="en-US" sz="800">
                           <a:latin typeface="+mn-ea"/>
                           <a:ea typeface="+mn-ea"/>
                         </a:rPr>
                         <a:t>・</a:t>
                       </a:r>
                       <a:r>
-                        <a:rPr kumimoji="1" lang="en-US" altLang="ja-JP">
+                        <a:rPr kumimoji="1" lang="en-US" altLang="ja-JP" sz="800">
                           <a:latin typeface="+mn-ea"/>
                           <a:ea typeface="+mn-ea"/>
                         </a:rPr>
                         <a:t>(</a:t>
                       </a:r>
                       <a:r>
-                        <a:rPr kumimoji="1" lang="ja-JP" altLang="en-US">
+                        <a:rPr kumimoji="1" lang="ja-JP" altLang="en-US" sz="800">
                           <a:latin typeface="+mn-ea"/>
                           <a:ea typeface="+mn-ea"/>
                         </a:rPr>
                         <a:t>基本の背景色</a:t>
                       </a:r>
                       <a:r>
-                        <a:rPr kumimoji="1" lang="en-US" altLang="ja-JP">
+                        <a:rPr kumimoji="1" lang="en-US" altLang="ja-JP" sz="800">
                           <a:latin typeface="+mn-ea"/>
                           <a:ea typeface="+mn-ea"/>
                         </a:rPr>
                         <a:t>)</a:t>
                       </a:r>
-                      <a:endParaRPr kumimoji="1" lang="ja-JP" altLang="en-US">
+                      <a:endParaRPr kumimoji="1" lang="ja-JP" altLang="en-US" sz="800">
                         <a:latin typeface="+mn-ea"/>
                         <a:ea typeface="+mn-ea"/>
                       </a:endParaRPr>
@@ -19010,23 +19007,20 @@
                         <a:tabLst/>
                         <a:defRPr/>
                       </a:pPr>
-                      <a:r>
-                        <a:rPr kumimoji="1" lang="ja-JP" altLang="en-US" sz="2400" strike="noStrike">
-                          <a:solidFill>
-                            <a:srgbClr val="F5F5F5"/>
-                          </a:solidFill>
-                          <a:effectLst>
-                            <a:outerShdw blurRad="63500" sx="102000" sy="102000" algn="ctr" rotWithShape="0">
-                              <a:prstClr val="black">
-                                <a:alpha val="40000"/>
-                              </a:prstClr>
-                            </a:outerShdw>
-                          </a:effectLst>
-                          <a:latin typeface="+mn-ea"/>
-                          <a:ea typeface="+mn-ea"/>
-                        </a:rPr>
-                        <a:t>◼︎</a:t>
-                      </a:r>
+                      <a:endParaRPr kumimoji="1" lang="ja-JP" altLang="en-US" sz="2400" strike="noStrike">
+                        <a:solidFill>
+                          <a:srgbClr val="F5F5F5"/>
+                        </a:solidFill>
+                        <a:effectLst>
+                          <a:outerShdw blurRad="63500" sx="102000" sy="102000" algn="ctr" rotWithShape="0">
+                            <a:prstClr val="black">
+                              <a:alpha val="40000"/>
+                            </a:prstClr>
+                          </a:outerShdw>
+                        </a:effectLst>
+                        <a:latin typeface="+mn-ea"/>
+                        <a:ea typeface="+mn-ea"/>
+                      </a:endParaRPr>
                     </a:p>
                   </a:txBody>
                   <a:tcPr anchor="ctr">
@@ -19075,7 +19069,7 @@
                       <a:tailEnd type="none" w="med" len="med"/>
                     </a:lnB>
                     <a:solidFill>
-                      <a:schemeClr val="bg1"/>
+                      <a:srgbClr val="F5F5F5"/>
                     </a:solidFill>
                   </a:tcPr>
                 </a:tc>
@@ -19086,13 +19080,13 @@
                     <a:p>
                       <a:pPr algn="ctr"/>
                       <a:r>
-                        <a:rPr kumimoji="1" lang="en-US" altLang="ja-JP">
+                        <a:rPr kumimoji="1" lang="en-US" altLang="ja-JP" sz="1000">
                           <a:latin typeface="+mn-ea"/>
                           <a:ea typeface="+mn-ea"/>
                         </a:rPr>
                         <a:t>#F5F5F5</a:t>
                       </a:r>
-                      <a:endParaRPr kumimoji="1" lang="ja-JP" altLang="en-US">
+                      <a:endParaRPr kumimoji="1" lang="ja-JP" altLang="en-US" sz="1000">
                         <a:latin typeface="+mn-ea"/>
                         <a:ea typeface="+mn-ea"/>
                       </a:endParaRPr>
@@ -19172,23 +19166,20 @@
                         <a:tabLst/>
                         <a:defRPr/>
                       </a:pPr>
-                      <a:r>
-                        <a:rPr kumimoji="1" lang="ja-JP" altLang="en-US" sz="2400" strike="noStrike">
-                          <a:solidFill>
-                            <a:srgbClr val="000000"/>
-                          </a:solidFill>
-                          <a:effectLst>
-                            <a:outerShdw blurRad="63500" sx="102000" sy="102000" algn="ctr" rotWithShape="0">
-                              <a:prstClr val="black">
-                                <a:alpha val="40000"/>
-                              </a:prstClr>
-                            </a:outerShdw>
-                          </a:effectLst>
-                          <a:latin typeface="+mn-ea"/>
-                          <a:ea typeface="+mn-ea"/>
-                        </a:rPr>
-                        <a:t>◼︎</a:t>
-                      </a:r>
+                      <a:endParaRPr kumimoji="1" lang="ja-JP" altLang="en-US" sz="2400" strike="noStrike">
+                        <a:solidFill>
+                          <a:srgbClr val="000000"/>
+                        </a:solidFill>
+                        <a:effectLst>
+                          <a:outerShdw blurRad="63500" sx="102000" sy="102000" algn="ctr" rotWithShape="0">
+                            <a:prstClr val="black">
+                              <a:alpha val="40000"/>
+                            </a:prstClr>
+                          </a:outerShdw>
+                        </a:effectLst>
+                        <a:latin typeface="+mn-ea"/>
+                        <a:ea typeface="+mn-ea"/>
+                      </a:endParaRPr>
                     </a:p>
                   </a:txBody>
                   <a:tcPr anchor="ctr">
@@ -19237,7 +19228,7 @@
                       <a:tailEnd type="none" w="med" len="med"/>
                     </a:lnB>
                     <a:solidFill>
-                      <a:schemeClr val="bg1"/>
+                      <a:srgbClr val="000000"/>
                     </a:solidFill>
                   </a:tcPr>
                 </a:tc>
@@ -19248,13 +19239,13 @@
                     <a:p>
                       <a:pPr algn="ctr"/>
                       <a:r>
-                        <a:rPr kumimoji="1" lang="en-US" altLang="ja-JP">
+                        <a:rPr kumimoji="1" lang="en-US" altLang="ja-JP" sz="1050">
                           <a:latin typeface="+mn-ea"/>
                           <a:ea typeface="+mn-ea"/>
                         </a:rPr>
                         <a:t>#000000</a:t>
                       </a:r>
-                      <a:endParaRPr kumimoji="1" lang="ja-JP" altLang="en-US">
+                      <a:endParaRPr kumimoji="1" lang="ja-JP" altLang="en-US" sz="1050">
                         <a:latin typeface="+mn-ea"/>
                         <a:ea typeface="+mn-ea"/>
                       </a:endParaRPr>
@@ -19316,7 +19307,7 @@
                   </a:ext>
                 </a:extLst>
               </a:tr>
-              <a:tr h="686608">
+              <a:tr h="440225">
                 <a:tc>
                   <a:txBody>
                     <a:bodyPr/>
@@ -19324,13 +19315,13 @@
                     <a:p>
                       <a:pPr algn="ctr"/>
                       <a:r>
-                        <a:rPr kumimoji="1" lang="en-US" altLang="ja-JP">
+                        <a:rPr kumimoji="1" lang="en-US" altLang="ja-JP" sz="1050">
                           <a:latin typeface="+mn-ea"/>
                           <a:ea typeface="+mn-ea"/>
                         </a:rPr>
                         <a:t>buttonTextColor</a:t>
                       </a:r>
-                      <a:endParaRPr kumimoji="1" lang="ja-JP" altLang="en-US">
+                      <a:endParaRPr kumimoji="1" lang="ja-JP" altLang="en-US" sz="1050">
                         <a:latin typeface="+mn-ea"/>
                         <a:ea typeface="+mn-ea"/>
                       </a:endParaRPr>
@@ -19393,7 +19384,7 @@
                     <a:p>
                       <a:pPr algn="l"/>
                       <a:r>
-                        <a:rPr kumimoji="1" lang="ja-JP" altLang="en-US">
+                        <a:rPr kumimoji="1" lang="ja-JP" altLang="en-US" sz="800">
                           <a:latin typeface="+mn-ea"/>
                           <a:ea typeface="+mn-ea"/>
                         </a:rPr>
@@ -19475,23 +19466,20 @@
                         <a:tabLst/>
                         <a:defRPr/>
                       </a:pPr>
-                      <a:r>
-                        <a:rPr kumimoji="1" lang="ja-JP" altLang="en-US" sz="2400" strike="noStrike">
-                          <a:solidFill>
-                            <a:srgbClr val="FFFFFF"/>
-                          </a:solidFill>
-                          <a:effectLst>
-                            <a:outerShdw blurRad="63500" sx="102000" sy="102000" algn="ctr" rotWithShape="0">
-                              <a:prstClr val="black">
-                                <a:alpha val="40000"/>
-                              </a:prstClr>
-                            </a:outerShdw>
-                          </a:effectLst>
-                          <a:latin typeface="+mn-ea"/>
-                          <a:ea typeface="+mn-ea"/>
-                        </a:rPr>
-                        <a:t>◼︎</a:t>
-                      </a:r>
+                      <a:endParaRPr kumimoji="1" lang="ja-JP" altLang="en-US" sz="2400" strike="noStrike">
+                        <a:solidFill>
+                          <a:srgbClr val="FFFFFF"/>
+                        </a:solidFill>
+                        <a:effectLst>
+                          <a:outerShdw blurRad="63500" sx="102000" sy="102000" algn="ctr" rotWithShape="0">
+                            <a:prstClr val="black">
+                              <a:alpha val="40000"/>
+                            </a:prstClr>
+                          </a:outerShdw>
+                        </a:effectLst>
+                        <a:latin typeface="+mn-ea"/>
+                        <a:ea typeface="+mn-ea"/>
+                      </a:endParaRPr>
                     </a:p>
                   </a:txBody>
                   <a:tcPr anchor="ctr">
@@ -19551,13 +19539,13 @@
                     <a:p>
                       <a:pPr algn="ctr"/>
                       <a:r>
-                        <a:rPr kumimoji="1" lang="en-US" altLang="ja-JP">
+                        <a:rPr kumimoji="1" lang="en-US" altLang="ja-JP" sz="1000">
                           <a:latin typeface="+mn-ea"/>
                           <a:ea typeface="+mn-ea"/>
                         </a:rPr>
                         <a:t>#FFFFFF</a:t>
                       </a:r>
-                      <a:endParaRPr kumimoji="1" lang="ja-JP" altLang="en-US">
+                      <a:endParaRPr kumimoji="1" lang="ja-JP" altLang="en-US" sz="1000">
                         <a:latin typeface="+mn-ea"/>
                         <a:ea typeface="+mn-ea"/>
                       </a:endParaRPr>
@@ -19637,23 +19625,6 @@
                         <a:tabLst/>
                         <a:defRPr/>
                       </a:pPr>
-                      <a:r>
-                        <a:rPr kumimoji="1" lang="ja-JP" altLang="en-US" sz="2400" strike="noStrike">
-                          <a:solidFill>
-                            <a:srgbClr val="000000"/>
-                          </a:solidFill>
-                          <a:effectLst>
-                            <a:outerShdw blurRad="63500" sx="102000" sy="102000" algn="ctr" rotWithShape="0">
-                              <a:prstClr val="black">
-                                <a:alpha val="40000"/>
-                              </a:prstClr>
-                            </a:outerShdw>
-                          </a:effectLst>
-                          <a:latin typeface="+mn-ea"/>
-                          <a:ea typeface="+mn-ea"/>
-                        </a:rPr>
-                        <a:t>◼︎</a:t>
-                      </a:r>
                       <a:endParaRPr kumimoji="1" lang="ja-JP" altLang="en-US" sz="2400" strike="noStrike">
                         <a:solidFill>
                           <a:schemeClr val="bg1"/>
@@ -19716,7 +19687,7 @@
                       <a:tailEnd type="none" w="med" len="med"/>
                     </a:lnB>
                     <a:solidFill>
-                      <a:schemeClr val="bg1"/>
+                      <a:srgbClr val="000000"/>
                     </a:solidFill>
                   </a:tcPr>
                 </a:tc>
@@ -19727,13 +19698,13 @@
                     <a:p>
                       <a:pPr algn="ctr"/>
                       <a:r>
-                        <a:rPr kumimoji="1" lang="en-US" altLang="ja-JP">
+                        <a:rPr kumimoji="1" lang="en-US" altLang="ja-JP" sz="1050">
                           <a:latin typeface="+mn-ea"/>
                           <a:ea typeface="+mn-ea"/>
                         </a:rPr>
                         <a:t>#000000</a:t>
                       </a:r>
-                      <a:endParaRPr kumimoji="1" lang="ja-JP" altLang="en-US">
+                      <a:endParaRPr kumimoji="1" lang="ja-JP" altLang="en-US" sz="1050">
                         <a:latin typeface="+mn-ea"/>
                         <a:ea typeface="+mn-ea"/>
                       </a:endParaRPr>
@@ -19795,7 +19766,7 @@
                   </a:ext>
                 </a:extLst>
               </a:tr>
-              <a:tr h="686608">
+              <a:tr h="440225">
                 <a:tc>
                   <a:txBody>
                     <a:bodyPr/>
@@ -19803,13 +19774,13 @@
                     <a:p>
                       <a:pPr algn="ctr"/>
                       <a:r>
-                        <a:rPr kumimoji="1" lang="en-US" altLang="ja-JP">
+                        <a:rPr kumimoji="1" lang="en-US" altLang="ja-JP" sz="1050">
                           <a:latin typeface="+mn-ea"/>
                           <a:ea typeface="+mn-ea"/>
                         </a:rPr>
                         <a:t>buttonBackColor</a:t>
                       </a:r>
-                      <a:endParaRPr kumimoji="1" lang="ja-JP" altLang="en-US">
+                      <a:endParaRPr kumimoji="1" lang="ja-JP" altLang="en-US" sz="1050">
                         <a:latin typeface="+mn-ea"/>
                         <a:ea typeface="+mn-ea"/>
                       </a:endParaRPr>
@@ -19872,7 +19843,7 @@
                     <a:p>
                       <a:pPr algn="l"/>
                       <a:r>
-                        <a:rPr kumimoji="1" lang="ja-JP" altLang="en-US">
+                        <a:rPr kumimoji="1" lang="ja-JP" altLang="en-US" sz="800">
                           <a:latin typeface="+mn-ea"/>
                           <a:ea typeface="+mn-ea"/>
                         </a:rPr>
@@ -19954,23 +19925,20 @@
                         <a:tabLst/>
                         <a:defRPr/>
                       </a:pPr>
-                      <a:r>
-                        <a:rPr kumimoji="1" lang="ja-JP" altLang="en-US" sz="2400" strike="noStrike">
-                          <a:solidFill>
-                            <a:srgbClr val="00053A"/>
-                          </a:solidFill>
-                          <a:effectLst>
-                            <a:outerShdw blurRad="63500" sx="102000" sy="102000" algn="ctr" rotWithShape="0">
-                              <a:prstClr val="black">
-                                <a:alpha val="40000"/>
-                              </a:prstClr>
-                            </a:outerShdw>
-                          </a:effectLst>
-                          <a:latin typeface="+mn-ea"/>
-                          <a:ea typeface="+mn-ea"/>
-                        </a:rPr>
-                        <a:t>◼︎</a:t>
-                      </a:r>
+                      <a:endParaRPr kumimoji="1" lang="ja-JP" altLang="en-US" sz="2400" strike="noStrike">
+                        <a:solidFill>
+                          <a:srgbClr val="00053A"/>
+                        </a:solidFill>
+                        <a:effectLst>
+                          <a:outerShdw blurRad="63500" sx="102000" sy="102000" algn="ctr" rotWithShape="0">
+                            <a:prstClr val="black">
+                              <a:alpha val="40000"/>
+                            </a:prstClr>
+                          </a:outerShdw>
+                        </a:effectLst>
+                        <a:latin typeface="+mn-ea"/>
+                        <a:ea typeface="+mn-ea"/>
+                      </a:endParaRPr>
                     </a:p>
                   </a:txBody>
                   <a:tcPr anchor="ctr">
@@ -20019,7 +19987,7 @@
                       <a:tailEnd type="none" w="med" len="med"/>
                     </a:lnB>
                     <a:solidFill>
-                      <a:schemeClr val="bg1"/>
+                      <a:srgbClr val="00053A"/>
                     </a:solidFill>
                   </a:tcPr>
                 </a:tc>
@@ -20030,13 +19998,13 @@
                     <a:p>
                       <a:pPr algn="ctr"/>
                       <a:r>
-                        <a:rPr kumimoji="1" lang="en-US" altLang="ja-JP">
+                        <a:rPr kumimoji="1" lang="en-US" altLang="ja-JP" sz="1000">
                           <a:latin typeface="+mn-ea"/>
                           <a:ea typeface="+mn-ea"/>
                         </a:rPr>
                         <a:t>#00053A</a:t>
                       </a:r>
-                      <a:endParaRPr kumimoji="1" lang="ja-JP" altLang="en-US">
+                      <a:endParaRPr kumimoji="1" lang="ja-JP" altLang="en-US" sz="1000">
                         <a:latin typeface="+mn-ea"/>
                         <a:ea typeface="+mn-ea"/>
                       </a:endParaRPr>
@@ -20116,22 +20084,706 @@
                         <a:tabLst/>
                         <a:defRPr/>
                       </a:pPr>
+                      <a:endParaRPr kumimoji="1" lang="ja-JP" altLang="en-US" sz="2400" strike="noStrike">
+                        <a:solidFill>
+                          <a:srgbClr val="00BFFF"/>
+                        </a:solidFill>
+                        <a:effectLst>
+                          <a:outerShdw blurRad="63500" sx="102000" sy="102000" algn="ctr" rotWithShape="0">
+                            <a:prstClr val="black">
+                              <a:alpha val="40000"/>
+                            </a:prstClr>
+                          </a:outerShdw>
+                        </a:effectLst>
+                        <a:latin typeface="+mn-ea"/>
+                        <a:ea typeface="+mn-ea"/>
+                      </a:endParaRPr>
+                    </a:p>
+                  </a:txBody>
+                  <a:tcPr anchor="ctr">
+                    <a:lnL w="9525" cap="flat" cmpd="sng" algn="ctr">
+                      <a:solidFill>
+                        <a:schemeClr val="bg1">
+                          <a:lumMod val="75000"/>
+                        </a:schemeClr>
+                      </a:solidFill>
+                      <a:prstDash val="solid"/>
+                      <a:round/>
+                      <a:headEnd type="none" w="med" len="med"/>
+                      <a:tailEnd type="none" w="med" len="med"/>
+                    </a:lnL>
+                    <a:lnR w="9525" cap="flat" cmpd="sng" algn="ctr">
+                      <a:solidFill>
+                        <a:schemeClr val="bg1">
+                          <a:lumMod val="75000"/>
+                        </a:schemeClr>
+                      </a:solidFill>
+                      <a:prstDash val="solid"/>
+                      <a:round/>
+                      <a:headEnd type="none" w="med" len="med"/>
+                      <a:tailEnd type="none" w="med" len="med"/>
+                    </a:lnR>
+                    <a:lnT w="9525" cap="flat" cmpd="sng" algn="ctr">
+                      <a:solidFill>
+                        <a:schemeClr val="bg1">
+                          <a:lumMod val="75000"/>
+                        </a:schemeClr>
+                      </a:solidFill>
+                      <a:prstDash val="solid"/>
+                      <a:round/>
+                      <a:headEnd type="none" w="med" len="med"/>
+                      <a:tailEnd type="none" w="med" len="med"/>
+                    </a:lnT>
+                    <a:lnB w="9525" cap="flat" cmpd="sng" algn="ctr">
+                      <a:solidFill>
+                        <a:schemeClr val="bg1">
+                          <a:lumMod val="75000"/>
+                        </a:schemeClr>
+                      </a:solidFill>
+                      <a:prstDash val="solid"/>
+                      <a:round/>
+                      <a:headEnd type="none" w="med" len="med"/>
+                      <a:tailEnd type="none" w="med" len="med"/>
+                    </a:lnB>
+                    <a:solidFill>
+                      <a:srgbClr val="00BFFF"/>
+                    </a:solidFill>
+                  </a:tcPr>
+                </a:tc>
+                <a:tc>
+                  <a:txBody>
+                    <a:bodyPr/>
+                    <a:lstStyle/>
+                    <a:p>
+                      <a:pPr algn="ctr"/>
                       <a:r>
-                        <a:rPr kumimoji="1" lang="ja-JP" altLang="en-US" sz="2400" strike="noStrike">
-                          <a:solidFill>
-                            <a:srgbClr val="F2F2F2"/>
-                          </a:solidFill>
-                          <a:effectLst>
-                            <a:outerShdw blurRad="63500" sx="102000" sy="102000" algn="ctr" rotWithShape="0">
-                              <a:prstClr val="black">
-                                <a:alpha val="40000"/>
-                              </a:prstClr>
-                            </a:outerShdw>
-                          </a:effectLst>
+                        <a:rPr kumimoji="1" lang="en-US" altLang="ja-JP" sz="1050">
                           <a:latin typeface="+mn-ea"/>
                           <a:ea typeface="+mn-ea"/>
                         </a:rPr>
-                        <a:t>◼︎</a:t>
+                        <a:t>#00BFFF</a:t>
+                      </a:r>
+                      <a:endParaRPr kumimoji="1" lang="ja-JP" altLang="en-US" sz="1050">
+                        <a:latin typeface="+mn-ea"/>
+                        <a:ea typeface="+mn-ea"/>
+                      </a:endParaRPr>
+                    </a:p>
+                  </a:txBody>
+                  <a:tcPr anchor="ctr">
+                    <a:lnL w="9525" cap="flat" cmpd="sng" algn="ctr">
+                      <a:solidFill>
+                        <a:schemeClr val="bg1">
+                          <a:lumMod val="75000"/>
+                        </a:schemeClr>
+                      </a:solidFill>
+                      <a:prstDash val="solid"/>
+                      <a:round/>
+                      <a:headEnd type="none" w="med" len="med"/>
+                      <a:tailEnd type="none" w="med" len="med"/>
+                    </a:lnL>
+                    <a:lnR w="9525" cap="flat" cmpd="sng" algn="ctr">
+                      <a:solidFill>
+                        <a:schemeClr val="bg1">
+                          <a:lumMod val="75000"/>
+                        </a:schemeClr>
+                      </a:solidFill>
+                      <a:prstDash val="solid"/>
+                      <a:round/>
+                      <a:headEnd type="none" w="med" len="med"/>
+                      <a:tailEnd type="none" w="med" len="med"/>
+                    </a:lnR>
+                    <a:lnT w="9525" cap="flat" cmpd="sng" algn="ctr">
+                      <a:solidFill>
+                        <a:schemeClr val="bg1">
+                          <a:lumMod val="75000"/>
+                        </a:schemeClr>
+                      </a:solidFill>
+                      <a:prstDash val="solid"/>
+                      <a:round/>
+                      <a:headEnd type="none" w="med" len="med"/>
+                      <a:tailEnd type="none" w="med" len="med"/>
+                    </a:lnT>
+                    <a:lnB w="9525" cap="flat" cmpd="sng" algn="ctr">
+                      <a:solidFill>
+                        <a:schemeClr val="bg1">
+                          <a:lumMod val="75000"/>
+                        </a:schemeClr>
+                      </a:solidFill>
+                      <a:prstDash val="solid"/>
+                      <a:round/>
+                      <a:headEnd type="none" w="med" len="med"/>
+                      <a:tailEnd type="none" w="med" len="med"/>
+                    </a:lnB>
+                    <a:solidFill>
+                      <a:schemeClr val="bg1"/>
+                    </a:solidFill>
+                  </a:tcPr>
+                </a:tc>
+                <a:extLst>
+                  <a:ext uri="{0D108BD9-81ED-4DB2-BD59-A6C34878D82A}">
+                    <a16:rowId xmlns:a16="http://schemas.microsoft.com/office/drawing/2014/main" val="2228901729"/>
+                  </a:ext>
+                </a:extLst>
+              </a:tr>
+              <a:tr h="440225">
+                <a:tc>
+                  <a:txBody>
+                    <a:bodyPr/>
+                    <a:lstStyle/>
+                    <a:p>
+                      <a:pPr algn="ctr"/>
+                      <a:r>
+                        <a:rPr kumimoji="1" lang="en" altLang="ja-JP" sz="1050">
+                          <a:latin typeface="+mn-ea"/>
+                          <a:ea typeface="+mn-ea"/>
+                        </a:rPr>
+                        <a:t>fieldBackColor</a:t>
+                      </a:r>
+                      <a:endParaRPr kumimoji="1" lang="ja-JP" altLang="en-US" sz="1050">
+                        <a:latin typeface="+mn-ea"/>
+                        <a:ea typeface="+mn-ea"/>
+                      </a:endParaRPr>
+                    </a:p>
+                  </a:txBody>
+                  <a:tcPr anchor="ctr">
+                    <a:lnL w="9525" cap="flat" cmpd="sng" algn="ctr">
+                      <a:solidFill>
+                        <a:schemeClr val="bg1">
+                          <a:lumMod val="75000"/>
+                        </a:schemeClr>
+                      </a:solidFill>
+                      <a:prstDash val="solid"/>
+                      <a:round/>
+                      <a:headEnd type="none" w="med" len="med"/>
+                      <a:tailEnd type="none" w="med" len="med"/>
+                    </a:lnL>
+                    <a:lnR w="9525" cap="flat" cmpd="sng" algn="ctr">
+                      <a:solidFill>
+                        <a:schemeClr val="bg1">
+                          <a:lumMod val="75000"/>
+                        </a:schemeClr>
+                      </a:solidFill>
+                      <a:prstDash val="solid"/>
+                      <a:round/>
+                      <a:headEnd type="none" w="med" len="med"/>
+                      <a:tailEnd type="none" w="med" len="med"/>
+                    </a:lnR>
+                    <a:lnT w="9525" cap="flat" cmpd="sng" algn="ctr">
+                      <a:solidFill>
+                        <a:schemeClr val="bg1">
+                          <a:lumMod val="75000"/>
+                        </a:schemeClr>
+                      </a:solidFill>
+                      <a:prstDash val="solid"/>
+                      <a:round/>
+                      <a:headEnd type="none" w="med" len="med"/>
+                      <a:tailEnd type="none" w="med" len="med"/>
+                    </a:lnT>
+                    <a:lnB w="9525" cap="flat" cmpd="sng" algn="ctr">
+                      <a:solidFill>
+                        <a:schemeClr val="bg1">
+                          <a:lumMod val="75000"/>
+                        </a:schemeClr>
+                      </a:solidFill>
+                      <a:prstDash val="solid"/>
+                      <a:round/>
+                      <a:headEnd type="none" w="med" len="med"/>
+                      <a:tailEnd type="none" w="med" len="med"/>
+                    </a:lnB>
+                    <a:solidFill>
+                      <a:schemeClr val="bg1"/>
+                    </a:solidFill>
+                  </a:tcPr>
+                </a:tc>
+                <a:tc>
+                  <a:txBody>
+                    <a:bodyPr/>
+                    <a:lstStyle/>
+                    <a:p>
+                      <a:pPr algn="l"/>
+                      <a:r>
+                        <a:rPr kumimoji="1" lang="ja-JP" altLang="en-US" sz="800">
+                          <a:latin typeface="+mn-ea"/>
+                          <a:ea typeface="+mn-ea"/>
+                        </a:rPr>
+                        <a:t>・テキストフィールドの背景色</a:t>
+                      </a:r>
+                      <a:endParaRPr kumimoji="1" lang="en-US" altLang="ja-JP" sz="800">
+                        <a:latin typeface="+mn-ea"/>
+                        <a:ea typeface="+mn-ea"/>
+                      </a:endParaRPr>
+                    </a:p>
+                  </a:txBody>
+                  <a:tcPr anchor="ctr">
+                    <a:lnL w="9525" cap="flat" cmpd="sng" algn="ctr">
+                      <a:solidFill>
+                        <a:schemeClr val="bg1">
+                          <a:lumMod val="75000"/>
+                        </a:schemeClr>
+                      </a:solidFill>
+                      <a:prstDash val="solid"/>
+                      <a:round/>
+                      <a:headEnd type="none" w="med" len="med"/>
+                      <a:tailEnd type="none" w="med" len="med"/>
+                    </a:lnL>
+                    <a:lnR w="9525" cap="flat" cmpd="sng" algn="ctr">
+                      <a:solidFill>
+                        <a:schemeClr val="bg1">
+                          <a:lumMod val="75000"/>
+                        </a:schemeClr>
+                      </a:solidFill>
+                      <a:prstDash val="solid"/>
+                      <a:round/>
+                      <a:headEnd type="none" w="med" len="med"/>
+                      <a:tailEnd type="none" w="med" len="med"/>
+                    </a:lnR>
+                    <a:lnT w="9525" cap="flat" cmpd="sng" algn="ctr">
+                      <a:solidFill>
+                        <a:schemeClr val="bg1">
+                          <a:lumMod val="75000"/>
+                        </a:schemeClr>
+                      </a:solidFill>
+                      <a:prstDash val="solid"/>
+                      <a:round/>
+                      <a:headEnd type="none" w="med" len="med"/>
+                      <a:tailEnd type="none" w="med" len="med"/>
+                    </a:lnT>
+                    <a:lnB w="9525" cap="flat" cmpd="sng" algn="ctr">
+                      <a:solidFill>
+                        <a:schemeClr val="bg1">
+                          <a:lumMod val="75000"/>
+                        </a:schemeClr>
+                      </a:solidFill>
+                      <a:prstDash val="solid"/>
+                      <a:round/>
+                      <a:headEnd type="none" w="med" len="med"/>
+                      <a:tailEnd type="none" w="med" len="med"/>
+                    </a:lnB>
+                    <a:solidFill>
+                      <a:schemeClr val="bg1"/>
+                    </a:solidFill>
+                  </a:tcPr>
+                </a:tc>
+                <a:tc>
+                  <a:txBody>
+                    <a:bodyPr/>
+                    <a:lstStyle/>
+                    <a:p>
+                      <a:pPr marL="0" marR="0" lvl="0" indent="0" algn="ctr" defTabSz="914400" rtl="0" eaLnBrk="1" fontAlgn="auto" latinLnBrk="0" hangingPunct="1">
+                        <a:lnSpc>
+                          <a:spcPct val="100000"/>
+                        </a:lnSpc>
+                        <a:spcBef>
+                          <a:spcPts val="0"/>
+                        </a:spcBef>
+                        <a:spcAft>
+                          <a:spcPts val="0"/>
+                        </a:spcAft>
+                        <a:buClr>
+                          <a:srgbClr val="000000"/>
+                        </a:buClr>
+                        <a:buSzTx/>
+                        <a:buFont typeface="Arial"/>
+                        <a:buNone/>
+                        <a:tabLst/>
+                        <a:defRPr/>
+                      </a:pPr>
+                      <a:endParaRPr kumimoji="1" lang="ja-JP" altLang="en-US" sz="2400" strike="noStrike">
+                        <a:solidFill>
+                          <a:srgbClr val="F5F5F5"/>
+                        </a:solidFill>
+                        <a:effectLst>
+                          <a:outerShdw blurRad="63500" sx="102000" sy="102000" algn="ctr" rotWithShape="0">
+                            <a:prstClr val="black">
+                              <a:alpha val="40000"/>
+                            </a:prstClr>
+                          </a:outerShdw>
+                        </a:effectLst>
+                        <a:latin typeface="+mn-ea"/>
+                        <a:ea typeface="+mn-ea"/>
+                      </a:endParaRPr>
+                    </a:p>
+                  </a:txBody>
+                  <a:tcPr anchor="ctr">
+                    <a:lnL w="9525" cap="flat" cmpd="sng" algn="ctr">
+                      <a:solidFill>
+                        <a:schemeClr val="bg1">
+                          <a:lumMod val="75000"/>
+                        </a:schemeClr>
+                      </a:solidFill>
+                      <a:prstDash val="solid"/>
+                      <a:round/>
+                      <a:headEnd type="none" w="med" len="med"/>
+                      <a:tailEnd type="none" w="med" len="med"/>
+                    </a:lnL>
+                    <a:lnR w="9525" cap="flat" cmpd="sng" algn="ctr">
+                      <a:solidFill>
+                        <a:schemeClr val="bg1">
+                          <a:lumMod val="75000"/>
+                        </a:schemeClr>
+                      </a:solidFill>
+                      <a:prstDash val="solid"/>
+                      <a:round/>
+                      <a:headEnd type="none" w="med" len="med"/>
+                      <a:tailEnd type="none" w="med" len="med"/>
+                    </a:lnR>
+                    <a:lnT w="9525" cap="flat" cmpd="sng" algn="ctr">
+                      <a:solidFill>
+                        <a:schemeClr val="bg1">
+                          <a:lumMod val="75000"/>
+                        </a:schemeClr>
+                      </a:solidFill>
+                      <a:prstDash val="solid"/>
+                      <a:round/>
+                      <a:headEnd type="none" w="med" len="med"/>
+                      <a:tailEnd type="none" w="med" len="med"/>
+                    </a:lnT>
+                    <a:lnB w="9525" cap="flat" cmpd="sng" algn="ctr">
+                      <a:solidFill>
+                        <a:schemeClr val="bg1">
+                          <a:lumMod val="75000"/>
+                        </a:schemeClr>
+                      </a:solidFill>
+                      <a:prstDash val="solid"/>
+                      <a:round/>
+                      <a:headEnd type="none" w="med" len="med"/>
+                      <a:tailEnd type="none" w="med" len="med"/>
+                    </a:lnB>
+                    <a:solidFill>
+                      <a:srgbClr val="F5F5F5"/>
+                    </a:solidFill>
+                  </a:tcPr>
+                </a:tc>
+                <a:tc>
+                  <a:txBody>
+                    <a:bodyPr/>
+                    <a:lstStyle/>
+                    <a:p>
+                      <a:pPr algn="ctr"/>
+                      <a:r>
+                        <a:rPr kumimoji="1" lang="en" altLang="ja-JP" sz="1000">
+                          <a:latin typeface="+mn-ea"/>
+                          <a:ea typeface="+mn-ea"/>
+                        </a:rPr>
+                        <a:t>#F5F5F5</a:t>
+                      </a:r>
+                      <a:endParaRPr kumimoji="1" lang="ja-JP" altLang="en-US" sz="1000">
+                        <a:latin typeface="+mn-ea"/>
+                        <a:ea typeface="+mn-ea"/>
+                      </a:endParaRPr>
+                    </a:p>
+                  </a:txBody>
+                  <a:tcPr anchor="ctr">
+                    <a:lnL w="9525" cap="flat" cmpd="sng" algn="ctr">
+                      <a:solidFill>
+                        <a:schemeClr val="bg1">
+                          <a:lumMod val="75000"/>
+                        </a:schemeClr>
+                      </a:solidFill>
+                      <a:prstDash val="solid"/>
+                      <a:round/>
+                      <a:headEnd type="none" w="med" len="med"/>
+                      <a:tailEnd type="none" w="med" len="med"/>
+                    </a:lnL>
+                    <a:lnR w="9525" cap="flat" cmpd="sng" algn="ctr">
+                      <a:solidFill>
+                        <a:schemeClr val="bg1">
+                          <a:lumMod val="75000"/>
+                        </a:schemeClr>
+                      </a:solidFill>
+                      <a:prstDash val="solid"/>
+                      <a:round/>
+                      <a:headEnd type="none" w="med" len="med"/>
+                      <a:tailEnd type="none" w="med" len="med"/>
+                    </a:lnR>
+                    <a:lnT w="9525" cap="flat" cmpd="sng" algn="ctr">
+                      <a:solidFill>
+                        <a:schemeClr val="bg1">
+                          <a:lumMod val="75000"/>
+                        </a:schemeClr>
+                      </a:solidFill>
+                      <a:prstDash val="solid"/>
+                      <a:round/>
+                      <a:headEnd type="none" w="med" len="med"/>
+                      <a:tailEnd type="none" w="med" len="med"/>
+                    </a:lnT>
+                    <a:lnB w="9525" cap="flat" cmpd="sng" algn="ctr">
+                      <a:solidFill>
+                        <a:schemeClr val="bg1">
+                          <a:lumMod val="75000"/>
+                        </a:schemeClr>
+                      </a:solidFill>
+                      <a:prstDash val="solid"/>
+                      <a:round/>
+                      <a:headEnd type="none" w="med" len="med"/>
+                      <a:tailEnd type="none" w="med" len="med"/>
+                    </a:lnB>
+                    <a:solidFill>
+                      <a:schemeClr val="bg1"/>
+                    </a:solidFill>
+                  </a:tcPr>
+                </a:tc>
+                <a:tc>
+                  <a:txBody>
+                    <a:bodyPr/>
+                    <a:lstStyle/>
+                    <a:p>
+                      <a:pPr marL="0" marR="0" lvl="0" indent="0" algn="ctr" defTabSz="914400" rtl="0" eaLnBrk="1" fontAlgn="auto" latinLnBrk="0" hangingPunct="1">
+                        <a:lnSpc>
+                          <a:spcPct val="100000"/>
+                        </a:lnSpc>
+                        <a:spcBef>
+                          <a:spcPts val="0"/>
+                        </a:spcBef>
+                        <a:spcAft>
+                          <a:spcPts val="0"/>
+                        </a:spcAft>
+                        <a:buClr>
+                          <a:srgbClr val="000000"/>
+                        </a:buClr>
+                        <a:buSzTx/>
+                        <a:buFont typeface="Arial"/>
+                        <a:buNone/>
+                        <a:tabLst/>
+                        <a:defRPr/>
+                      </a:pPr>
+                      <a:endParaRPr kumimoji="1" lang="ja-JP" altLang="en-US" sz="2400" strike="noStrike">
+                        <a:solidFill>
+                          <a:srgbClr val="666666"/>
+                        </a:solidFill>
+                        <a:effectLst>
+                          <a:outerShdw blurRad="63500" sx="102000" sy="102000" algn="ctr" rotWithShape="0">
+                            <a:prstClr val="black">
+                              <a:alpha val="40000"/>
+                            </a:prstClr>
+                          </a:outerShdw>
+                        </a:effectLst>
+                        <a:latin typeface="+mn-ea"/>
+                        <a:ea typeface="+mn-ea"/>
+                      </a:endParaRPr>
+                    </a:p>
+                  </a:txBody>
+                  <a:tcPr anchor="ctr">
+                    <a:lnL w="9525" cap="flat" cmpd="sng" algn="ctr">
+                      <a:solidFill>
+                        <a:schemeClr val="bg1">
+                          <a:lumMod val="75000"/>
+                        </a:schemeClr>
+                      </a:solidFill>
+                      <a:prstDash val="solid"/>
+                      <a:round/>
+                      <a:headEnd type="none" w="med" len="med"/>
+                      <a:tailEnd type="none" w="med" len="med"/>
+                    </a:lnL>
+                    <a:lnR w="9525" cap="flat" cmpd="sng" algn="ctr">
+                      <a:solidFill>
+                        <a:schemeClr val="bg1">
+                          <a:lumMod val="75000"/>
+                        </a:schemeClr>
+                      </a:solidFill>
+                      <a:prstDash val="solid"/>
+                      <a:round/>
+                      <a:headEnd type="none" w="med" len="med"/>
+                      <a:tailEnd type="none" w="med" len="med"/>
+                    </a:lnR>
+                    <a:lnT w="9525" cap="flat" cmpd="sng" algn="ctr">
+                      <a:solidFill>
+                        <a:schemeClr val="bg1">
+                          <a:lumMod val="75000"/>
+                        </a:schemeClr>
+                      </a:solidFill>
+                      <a:prstDash val="solid"/>
+                      <a:round/>
+                      <a:headEnd type="none" w="med" len="med"/>
+                      <a:tailEnd type="none" w="med" len="med"/>
+                    </a:lnT>
+                    <a:lnB w="9525" cap="flat" cmpd="sng" algn="ctr">
+                      <a:solidFill>
+                        <a:schemeClr val="bg1">
+                          <a:lumMod val="75000"/>
+                        </a:schemeClr>
+                      </a:solidFill>
+                      <a:prstDash val="solid"/>
+                      <a:round/>
+                      <a:headEnd type="none" w="med" len="med"/>
+                      <a:tailEnd type="none" w="med" len="med"/>
+                    </a:lnB>
+                    <a:solidFill>
+                      <a:srgbClr val="666666"/>
+                    </a:solidFill>
+                  </a:tcPr>
+                </a:tc>
+                <a:tc>
+                  <a:txBody>
+                    <a:bodyPr/>
+                    <a:lstStyle/>
+                    <a:p>
+                      <a:pPr algn="ctr"/>
+                      <a:r>
+                        <a:rPr kumimoji="1" lang="en-US" altLang="ja-JP" sz="1050">
+                          <a:latin typeface="+mn-ea"/>
+                          <a:ea typeface="+mn-ea"/>
+                        </a:rPr>
+                        <a:t>#666666</a:t>
+                      </a:r>
+                      <a:endParaRPr kumimoji="1" lang="ja-JP" altLang="en-US" sz="1050">
+                        <a:latin typeface="+mn-ea"/>
+                        <a:ea typeface="+mn-ea"/>
+                      </a:endParaRPr>
+                    </a:p>
+                  </a:txBody>
+                  <a:tcPr anchor="ctr">
+                    <a:lnL w="9525" cap="flat" cmpd="sng" algn="ctr">
+                      <a:solidFill>
+                        <a:schemeClr val="bg1">
+                          <a:lumMod val="75000"/>
+                        </a:schemeClr>
+                      </a:solidFill>
+                      <a:prstDash val="solid"/>
+                      <a:round/>
+                      <a:headEnd type="none" w="med" len="med"/>
+                      <a:tailEnd type="none" w="med" len="med"/>
+                    </a:lnL>
+                    <a:lnR w="9525" cap="flat" cmpd="sng" algn="ctr">
+                      <a:solidFill>
+                        <a:schemeClr val="bg1">
+                          <a:lumMod val="75000"/>
+                        </a:schemeClr>
+                      </a:solidFill>
+                      <a:prstDash val="solid"/>
+                      <a:round/>
+                      <a:headEnd type="none" w="med" len="med"/>
+                      <a:tailEnd type="none" w="med" len="med"/>
+                    </a:lnR>
+                    <a:lnT w="9525" cap="flat" cmpd="sng" algn="ctr">
+                      <a:solidFill>
+                        <a:schemeClr val="bg1">
+                          <a:lumMod val="75000"/>
+                        </a:schemeClr>
+                      </a:solidFill>
+                      <a:prstDash val="solid"/>
+                      <a:round/>
+                      <a:headEnd type="none" w="med" len="med"/>
+                      <a:tailEnd type="none" w="med" len="med"/>
+                    </a:lnT>
+                    <a:lnB w="9525" cap="flat" cmpd="sng" algn="ctr">
+                      <a:solidFill>
+                        <a:schemeClr val="bg1">
+                          <a:lumMod val="75000"/>
+                        </a:schemeClr>
+                      </a:solidFill>
+                      <a:prstDash val="solid"/>
+                      <a:round/>
+                      <a:headEnd type="none" w="med" len="med"/>
+                      <a:tailEnd type="none" w="med" len="med"/>
+                    </a:lnB>
+                    <a:solidFill>
+                      <a:schemeClr val="bg1"/>
+                    </a:solidFill>
+                  </a:tcPr>
+                </a:tc>
+                <a:extLst>
+                  <a:ext uri="{0D108BD9-81ED-4DB2-BD59-A6C34878D82A}">
+                    <a16:rowId xmlns:a16="http://schemas.microsoft.com/office/drawing/2014/main" val="626626314"/>
+                  </a:ext>
+                </a:extLst>
+              </a:tr>
+              <a:tr h="440225">
+                <a:tc>
+                  <a:txBody>
+                    <a:bodyPr/>
+                    <a:lstStyle/>
+                    <a:p>
+                      <a:pPr algn="ctr"/>
+                      <a:r>
+                        <a:rPr kumimoji="1" lang="en" altLang="ja-JP" sz="1050">
+                          <a:latin typeface="+mn-ea"/>
+                          <a:ea typeface="+mn-ea"/>
+                        </a:rPr>
+                        <a:t>roomBackColor</a:t>
+                      </a:r>
+                      <a:endParaRPr kumimoji="1" lang="ja-JP" altLang="en-US" sz="1050">
+                        <a:latin typeface="+mn-ea"/>
+                        <a:ea typeface="+mn-ea"/>
+                      </a:endParaRPr>
+                    </a:p>
+                  </a:txBody>
+                  <a:tcPr anchor="ctr">
+                    <a:lnL w="9525" cap="flat" cmpd="sng" algn="ctr">
+                      <a:solidFill>
+                        <a:schemeClr val="bg1">
+                          <a:lumMod val="75000"/>
+                        </a:schemeClr>
+                      </a:solidFill>
+                      <a:prstDash val="solid"/>
+                      <a:round/>
+                      <a:headEnd type="none" w="med" len="med"/>
+                      <a:tailEnd type="none" w="med" len="med"/>
+                    </a:lnL>
+                    <a:lnR w="9525" cap="flat" cmpd="sng" algn="ctr">
+                      <a:solidFill>
+                        <a:schemeClr val="bg1">
+                          <a:lumMod val="75000"/>
+                        </a:schemeClr>
+                      </a:solidFill>
+                      <a:prstDash val="solid"/>
+                      <a:round/>
+                      <a:headEnd type="none" w="med" len="med"/>
+                      <a:tailEnd type="none" w="med" len="med"/>
+                    </a:lnR>
+                    <a:lnT w="9525" cap="flat" cmpd="sng" algn="ctr">
+                      <a:solidFill>
+                        <a:schemeClr val="bg1">
+                          <a:lumMod val="75000"/>
+                        </a:schemeClr>
+                      </a:solidFill>
+                      <a:prstDash val="solid"/>
+                      <a:round/>
+                      <a:headEnd type="none" w="med" len="med"/>
+                      <a:tailEnd type="none" w="med" len="med"/>
+                    </a:lnT>
+                    <a:lnB w="9525" cap="flat" cmpd="sng" algn="ctr">
+                      <a:solidFill>
+                        <a:schemeClr val="bg1">
+                          <a:lumMod val="75000"/>
+                        </a:schemeClr>
+                      </a:solidFill>
+                      <a:prstDash val="solid"/>
+                      <a:round/>
+                      <a:headEnd type="none" w="med" len="med"/>
+                      <a:tailEnd type="none" w="med" len="med"/>
+                    </a:lnB>
+                    <a:solidFill>
+                      <a:schemeClr val="bg1"/>
+                    </a:solidFill>
+                  </a:tcPr>
+                </a:tc>
+                <a:tc>
+                  <a:txBody>
+                    <a:bodyPr/>
+                    <a:lstStyle/>
+                    <a:p>
+                      <a:pPr algn="l"/>
+                      <a:r>
+                        <a:rPr kumimoji="1" lang="ja-JP" altLang="en-US" sz="800">
+                          <a:latin typeface="+mn-ea"/>
+                          <a:ea typeface="+mn-ea"/>
+                        </a:rPr>
+                        <a:t>・メッセージ</a:t>
+                      </a:r>
+                      <a:r>
+                        <a:rPr kumimoji="1" lang="en-US" altLang="ja-JP" sz="800">
+                          <a:latin typeface="+mn-ea"/>
+                          <a:ea typeface="+mn-ea"/>
+                        </a:rPr>
+                        <a:t>View</a:t>
+                      </a:r>
+                      <a:r>
+                        <a:rPr kumimoji="1" lang="ja-JP" altLang="en-US" sz="800">
+                          <a:latin typeface="+mn-ea"/>
+                          <a:ea typeface="+mn-ea"/>
+                        </a:rPr>
+                        <a:t>の背景色</a:t>
                       </a:r>
                     </a:p>
                   </a:txBody>
@@ -20190,15 +20842,264 @@
                     <a:bodyPr/>
                     <a:lstStyle/>
                     <a:p>
+                      <a:pPr marL="0" marR="0" lvl="0" indent="0" algn="ctr" defTabSz="914400" rtl="0" eaLnBrk="1" fontAlgn="auto" latinLnBrk="0" hangingPunct="1">
+                        <a:lnSpc>
+                          <a:spcPct val="100000"/>
+                        </a:lnSpc>
+                        <a:spcBef>
+                          <a:spcPts val="0"/>
+                        </a:spcBef>
+                        <a:spcAft>
+                          <a:spcPts val="0"/>
+                        </a:spcAft>
+                        <a:buClr>
+                          <a:srgbClr val="000000"/>
+                        </a:buClr>
+                        <a:buSzTx/>
+                        <a:buFont typeface="Arial"/>
+                        <a:buNone/>
+                        <a:tabLst/>
+                        <a:defRPr/>
+                      </a:pPr>
+                      <a:endParaRPr kumimoji="1" lang="ja-JP" altLang="en-US" sz="2400" strike="noStrike">
+                        <a:solidFill>
+                          <a:srgbClr val="F0F8FF"/>
+                        </a:solidFill>
+                        <a:effectLst>
+                          <a:outerShdw blurRad="63500" sx="102000" sy="102000" algn="ctr" rotWithShape="0">
+                            <a:prstClr val="black">
+                              <a:alpha val="40000"/>
+                            </a:prstClr>
+                          </a:outerShdw>
+                        </a:effectLst>
+                        <a:latin typeface="+mn-ea"/>
+                        <a:ea typeface="+mn-ea"/>
+                      </a:endParaRPr>
+                    </a:p>
+                  </a:txBody>
+                  <a:tcPr anchor="ctr">
+                    <a:lnL w="9525" cap="flat" cmpd="sng" algn="ctr">
+                      <a:solidFill>
+                        <a:schemeClr val="bg1">
+                          <a:lumMod val="75000"/>
+                        </a:schemeClr>
+                      </a:solidFill>
+                      <a:prstDash val="solid"/>
+                      <a:round/>
+                      <a:headEnd type="none" w="med" len="med"/>
+                      <a:tailEnd type="none" w="med" len="med"/>
+                    </a:lnL>
+                    <a:lnR w="9525" cap="flat" cmpd="sng" algn="ctr">
+                      <a:solidFill>
+                        <a:schemeClr val="bg1">
+                          <a:lumMod val="75000"/>
+                        </a:schemeClr>
+                      </a:solidFill>
+                      <a:prstDash val="solid"/>
+                      <a:round/>
+                      <a:headEnd type="none" w="med" len="med"/>
+                      <a:tailEnd type="none" w="med" len="med"/>
+                    </a:lnR>
+                    <a:lnT w="9525" cap="flat" cmpd="sng" algn="ctr">
+                      <a:solidFill>
+                        <a:schemeClr val="bg1">
+                          <a:lumMod val="75000"/>
+                        </a:schemeClr>
+                      </a:solidFill>
+                      <a:prstDash val="solid"/>
+                      <a:round/>
+                      <a:headEnd type="none" w="med" len="med"/>
+                      <a:tailEnd type="none" w="med" len="med"/>
+                    </a:lnT>
+                    <a:lnB w="9525" cap="flat" cmpd="sng" algn="ctr">
+                      <a:solidFill>
+                        <a:schemeClr val="bg1">
+                          <a:lumMod val="75000"/>
+                        </a:schemeClr>
+                      </a:solidFill>
+                      <a:prstDash val="solid"/>
+                      <a:round/>
+                      <a:headEnd type="none" w="med" len="med"/>
+                      <a:tailEnd type="none" w="med" len="med"/>
+                    </a:lnB>
+                    <a:solidFill>
+                      <a:srgbClr val="F0F8FF"/>
+                    </a:solidFill>
+                  </a:tcPr>
+                </a:tc>
+                <a:tc>
+                  <a:txBody>
+                    <a:bodyPr/>
+                    <a:lstStyle/>
+                    <a:p>
                       <a:pPr algn="ctr"/>
                       <a:r>
-                        <a:rPr kumimoji="1" lang="en-US" altLang="ja-JP">
+                        <a:rPr kumimoji="1" lang="en" altLang="ja-JP" sz="1000">
                           <a:latin typeface="+mn-ea"/>
                           <a:ea typeface="+mn-ea"/>
                         </a:rPr>
-                        <a:t>#F2F2F2</a:t>
+                        <a:t>#F0F8FF</a:t>
                       </a:r>
-                      <a:endParaRPr kumimoji="1" lang="ja-JP" altLang="en-US">
+                      <a:endParaRPr kumimoji="1" lang="ja-JP" altLang="en-US" sz="1000">
+                        <a:latin typeface="+mn-ea"/>
+                        <a:ea typeface="+mn-ea"/>
+                      </a:endParaRPr>
+                    </a:p>
+                  </a:txBody>
+                  <a:tcPr anchor="ctr">
+                    <a:lnL w="9525" cap="flat" cmpd="sng" algn="ctr">
+                      <a:solidFill>
+                        <a:schemeClr val="bg1">
+                          <a:lumMod val="75000"/>
+                        </a:schemeClr>
+                      </a:solidFill>
+                      <a:prstDash val="solid"/>
+                      <a:round/>
+                      <a:headEnd type="none" w="med" len="med"/>
+                      <a:tailEnd type="none" w="med" len="med"/>
+                    </a:lnL>
+                    <a:lnR w="9525" cap="flat" cmpd="sng" algn="ctr">
+                      <a:solidFill>
+                        <a:schemeClr val="bg1">
+                          <a:lumMod val="75000"/>
+                        </a:schemeClr>
+                      </a:solidFill>
+                      <a:prstDash val="solid"/>
+                      <a:round/>
+                      <a:headEnd type="none" w="med" len="med"/>
+                      <a:tailEnd type="none" w="med" len="med"/>
+                    </a:lnR>
+                    <a:lnT w="9525" cap="flat" cmpd="sng" algn="ctr">
+                      <a:solidFill>
+                        <a:schemeClr val="bg1">
+                          <a:lumMod val="75000"/>
+                        </a:schemeClr>
+                      </a:solidFill>
+                      <a:prstDash val="solid"/>
+                      <a:round/>
+                      <a:headEnd type="none" w="med" len="med"/>
+                      <a:tailEnd type="none" w="med" len="med"/>
+                    </a:lnT>
+                    <a:lnB w="9525" cap="flat" cmpd="sng" algn="ctr">
+                      <a:solidFill>
+                        <a:schemeClr val="bg1">
+                          <a:lumMod val="75000"/>
+                        </a:schemeClr>
+                      </a:solidFill>
+                      <a:prstDash val="solid"/>
+                      <a:round/>
+                      <a:headEnd type="none" w="med" len="med"/>
+                      <a:tailEnd type="none" w="med" len="med"/>
+                    </a:lnB>
+                    <a:solidFill>
+                      <a:schemeClr val="bg1"/>
+                    </a:solidFill>
+                  </a:tcPr>
+                </a:tc>
+                <a:tc>
+                  <a:txBody>
+                    <a:bodyPr/>
+                    <a:lstStyle/>
+                    <a:p>
+                      <a:pPr marL="0" marR="0" lvl="0" indent="0" algn="ctr" defTabSz="914400" rtl="0" eaLnBrk="1" fontAlgn="auto" latinLnBrk="0" hangingPunct="1">
+                        <a:lnSpc>
+                          <a:spcPct val="100000"/>
+                        </a:lnSpc>
+                        <a:spcBef>
+                          <a:spcPts val="0"/>
+                        </a:spcBef>
+                        <a:spcAft>
+                          <a:spcPts val="0"/>
+                        </a:spcAft>
+                        <a:buClr>
+                          <a:srgbClr val="000000"/>
+                        </a:buClr>
+                        <a:buSzTx/>
+                        <a:buFont typeface="Arial"/>
+                        <a:buNone/>
+                        <a:tabLst/>
+                        <a:defRPr/>
+                      </a:pPr>
+                      <a:endParaRPr kumimoji="1" lang="ja-JP" altLang="en-US" sz="2400" strike="noStrike">
+                        <a:solidFill>
+                          <a:srgbClr val="1F2131"/>
+                        </a:solidFill>
+                        <a:effectLst>
+                          <a:outerShdw blurRad="63500" sx="102000" sy="102000" algn="ctr" rotWithShape="0">
+                            <a:prstClr val="black">
+                              <a:alpha val="40000"/>
+                            </a:prstClr>
+                          </a:outerShdw>
+                        </a:effectLst>
+                        <a:latin typeface="+mn-ea"/>
+                        <a:ea typeface="+mn-ea"/>
+                      </a:endParaRPr>
+                    </a:p>
+                  </a:txBody>
+                  <a:tcPr anchor="ctr">
+                    <a:lnL w="9525" cap="flat" cmpd="sng" algn="ctr">
+                      <a:solidFill>
+                        <a:schemeClr val="bg1">
+                          <a:lumMod val="75000"/>
+                        </a:schemeClr>
+                      </a:solidFill>
+                      <a:prstDash val="solid"/>
+                      <a:round/>
+                      <a:headEnd type="none" w="med" len="med"/>
+                      <a:tailEnd type="none" w="med" len="med"/>
+                    </a:lnL>
+                    <a:lnR w="9525" cap="flat" cmpd="sng" algn="ctr">
+                      <a:solidFill>
+                        <a:schemeClr val="bg1">
+                          <a:lumMod val="75000"/>
+                        </a:schemeClr>
+                      </a:solidFill>
+                      <a:prstDash val="solid"/>
+                      <a:round/>
+                      <a:headEnd type="none" w="med" len="med"/>
+                      <a:tailEnd type="none" w="med" len="med"/>
+                    </a:lnR>
+                    <a:lnT w="9525" cap="flat" cmpd="sng" algn="ctr">
+                      <a:solidFill>
+                        <a:schemeClr val="bg1">
+                          <a:lumMod val="75000"/>
+                        </a:schemeClr>
+                      </a:solidFill>
+                      <a:prstDash val="solid"/>
+                      <a:round/>
+                      <a:headEnd type="none" w="med" len="med"/>
+                      <a:tailEnd type="none" w="med" len="med"/>
+                    </a:lnT>
+                    <a:lnB w="9525" cap="flat" cmpd="sng" algn="ctr">
+                      <a:solidFill>
+                        <a:schemeClr val="bg1">
+                          <a:lumMod val="75000"/>
+                        </a:schemeClr>
+                      </a:solidFill>
+                      <a:prstDash val="solid"/>
+                      <a:round/>
+                      <a:headEnd type="none" w="med" len="med"/>
+                      <a:tailEnd type="none" w="med" len="med"/>
+                    </a:lnB>
+                    <a:solidFill>
+                      <a:srgbClr val="1F2131"/>
+                    </a:solidFill>
+                  </a:tcPr>
+                </a:tc>
+                <a:tc>
+                  <a:txBody>
+                    <a:bodyPr/>
+                    <a:lstStyle/>
+                    <a:p>
+                      <a:pPr algn="ctr"/>
+                      <a:r>
+                        <a:rPr kumimoji="1" lang="en" altLang="ja-JP" sz="1050">
+                          <a:latin typeface="+mn-ea"/>
+                          <a:ea typeface="+mn-ea"/>
+                        </a:rPr>
+                        <a:t>#1F2131</a:t>
+                      </a:r>
+                      <a:endParaRPr kumimoji="1" lang="ja-JP" altLang="en-US" sz="1050">
                         <a:latin typeface="+mn-ea"/>
                         <a:ea typeface="+mn-ea"/>
                       </a:endParaRPr>
@@ -20256,7 +21157,1388 @@
                 </a:tc>
                 <a:extLst>
                   <a:ext uri="{0D108BD9-81ED-4DB2-BD59-A6C34878D82A}">
-                    <a16:rowId xmlns:a16="http://schemas.microsoft.com/office/drawing/2014/main" val="2228901729"/>
+                    <a16:rowId xmlns:a16="http://schemas.microsoft.com/office/drawing/2014/main" val="143406288"/>
+                  </a:ext>
+                </a:extLst>
+              </a:tr>
+              <a:tr h="440225">
+                <a:tc>
+                  <a:txBody>
+                    <a:bodyPr/>
+                    <a:lstStyle/>
+                    <a:p>
+                      <a:pPr algn="ctr"/>
+                      <a:r>
+                        <a:rPr kumimoji="1" lang="en" altLang="ja-JP" sz="1050">
+                          <a:latin typeface="+mn-ea"/>
+                          <a:ea typeface="+mn-ea"/>
+                        </a:rPr>
+                        <a:t>sendMessageColor</a:t>
+                      </a:r>
+                      <a:endParaRPr kumimoji="1" lang="ja-JP" altLang="en-US" sz="1050">
+                        <a:latin typeface="+mn-ea"/>
+                        <a:ea typeface="+mn-ea"/>
+                      </a:endParaRPr>
+                    </a:p>
+                  </a:txBody>
+                  <a:tcPr anchor="ctr">
+                    <a:lnL w="9525" cap="flat" cmpd="sng" algn="ctr">
+                      <a:solidFill>
+                        <a:schemeClr val="bg1">
+                          <a:lumMod val="75000"/>
+                        </a:schemeClr>
+                      </a:solidFill>
+                      <a:prstDash val="solid"/>
+                      <a:round/>
+                      <a:headEnd type="none" w="med" len="med"/>
+                      <a:tailEnd type="none" w="med" len="med"/>
+                    </a:lnL>
+                    <a:lnR w="9525" cap="flat" cmpd="sng" algn="ctr">
+                      <a:solidFill>
+                        <a:schemeClr val="bg1">
+                          <a:lumMod val="75000"/>
+                        </a:schemeClr>
+                      </a:solidFill>
+                      <a:prstDash val="solid"/>
+                      <a:round/>
+                      <a:headEnd type="none" w="med" len="med"/>
+                      <a:tailEnd type="none" w="med" len="med"/>
+                    </a:lnR>
+                    <a:lnT w="9525" cap="flat" cmpd="sng" algn="ctr">
+                      <a:solidFill>
+                        <a:schemeClr val="bg1">
+                          <a:lumMod val="75000"/>
+                        </a:schemeClr>
+                      </a:solidFill>
+                      <a:prstDash val="solid"/>
+                      <a:round/>
+                      <a:headEnd type="none" w="med" len="med"/>
+                      <a:tailEnd type="none" w="med" len="med"/>
+                    </a:lnT>
+                    <a:lnB w="9525" cap="flat" cmpd="sng" algn="ctr">
+                      <a:solidFill>
+                        <a:schemeClr val="bg1">
+                          <a:lumMod val="75000"/>
+                        </a:schemeClr>
+                      </a:solidFill>
+                      <a:prstDash val="solid"/>
+                      <a:round/>
+                      <a:headEnd type="none" w="med" len="med"/>
+                      <a:tailEnd type="none" w="med" len="med"/>
+                    </a:lnB>
+                    <a:solidFill>
+                      <a:schemeClr val="bg1"/>
+                    </a:solidFill>
+                  </a:tcPr>
+                </a:tc>
+                <a:tc>
+                  <a:txBody>
+                    <a:bodyPr/>
+                    <a:lstStyle/>
+                    <a:p>
+                      <a:pPr algn="l"/>
+                      <a:r>
+                        <a:rPr kumimoji="1" lang="ja-JP" altLang="en-US" sz="800">
+                          <a:latin typeface="+mn-ea"/>
+                          <a:ea typeface="+mn-ea"/>
+                        </a:rPr>
+                        <a:t>・自身のメッセージ色</a:t>
+                      </a:r>
+                    </a:p>
+                  </a:txBody>
+                  <a:tcPr anchor="ctr">
+                    <a:lnL w="9525" cap="flat" cmpd="sng" algn="ctr">
+                      <a:solidFill>
+                        <a:schemeClr val="bg1">
+                          <a:lumMod val="75000"/>
+                        </a:schemeClr>
+                      </a:solidFill>
+                      <a:prstDash val="solid"/>
+                      <a:round/>
+                      <a:headEnd type="none" w="med" len="med"/>
+                      <a:tailEnd type="none" w="med" len="med"/>
+                    </a:lnL>
+                    <a:lnR w="9525" cap="flat" cmpd="sng" algn="ctr">
+                      <a:solidFill>
+                        <a:schemeClr val="bg1">
+                          <a:lumMod val="75000"/>
+                        </a:schemeClr>
+                      </a:solidFill>
+                      <a:prstDash val="solid"/>
+                      <a:round/>
+                      <a:headEnd type="none" w="med" len="med"/>
+                      <a:tailEnd type="none" w="med" len="med"/>
+                    </a:lnR>
+                    <a:lnT w="9525" cap="flat" cmpd="sng" algn="ctr">
+                      <a:solidFill>
+                        <a:schemeClr val="bg1">
+                          <a:lumMod val="75000"/>
+                        </a:schemeClr>
+                      </a:solidFill>
+                      <a:prstDash val="solid"/>
+                      <a:round/>
+                      <a:headEnd type="none" w="med" len="med"/>
+                      <a:tailEnd type="none" w="med" len="med"/>
+                    </a:lnT>
+                    <a:lnB w="9525" cap="flat" cmpd="sng" algn="ctr">
+                      <a:solidFill>
+                        <a:schemeClr val="bg1">
+                          <a:lumMod val="75000"/>
+                        </a:schemeClr>
+                      </a:solidFill>
+                      <a:prstDash val="solid"/>
+                      <a:round/>
+                      <a:headEnd type="none" w="med" len="med"/>
+                      <a:tailEnd type="none" w="med" len="med"/>
+                    </a:lnB>
+                    <a:solidFill>
+                      <a:schemeClr val="bg1"/>
+                    </a:solidFill>
+                  </a:tcPr>
+                </a:tc>
+                <a:tc>
+                  <a:txBody>
+                    <a:bodyPr/>
+                    <a:lstStyle/>
+                    <a:p>
+                      <a:pPr marL="0" marR="0" lvl="0" indent="0" algn="ctr" defTabSz="914400" rtl="0" eaLnBrk="1" fontAlgn="auto" latinLnBrk="0" hangingPunct="1">
+                        <a:lnSpc>
+                          <a:spcPct val="100000"/>
+                        </a:lnSpc>
+                        <a:spcBef>
+                          <a:spcPts val="0"/>
+                        </a:spcBef>
+                        <a:spcAft>
+                          <a:spcPts val="0"/>
+                        </a:spcAft>
+                        <a:buClr>
+                          <a:srgbClr val="000000"/>
+                        </a:buClr>
+                        <a:buSzTx/>
+                        <a:buFont typeface="Arial"/>
+                        <a:buNone/>
+                        <a:tabLst/>
+                        <a:defRPr/>
+                      </a:pPr>
+                      <a:endParaRPr kumimoji="1" lang="ja-JP" altLang="en-US" sz="2400" strike="noStrike">
+                        <a:solidFill>
+                          <a:srgbClr val="41B6E5"/>
+                        </a:solidFill>
+                        <a:effectLst>
+                          <a:outerShdw blurRad="63500" sx="102000" sy="102000" algn="ctr" rotWithShape="0">
+                            <a:prstClr val="black">
+                              <a:alpha val="40000"/>
+                            </a:prstClr>
+                          </a:outerShdw>
+                        </a:effectLst>
+                        <a:latin typeface="+mn-ea"/>
+                        <a:ea typeface="+mn-ea"/>
+                      </a:endParaRPr>
+                    </a:p>
+                  </a:txBody>
+                  <a:tcPr anchor="ctr">
+                    <a:lnL w="9525" cap="flat" cmpd="sng" algn="ctr">
+                      <a:solidFill>
+                        <a:schemeClr val="bg1">
+                          <a:lumMod val="75000"/>
+                        </a:schemeClr>
+                      </a:solidFill>
+                      <a:prstDash val="solid"/>
+                      <a:round/>
+                      <a:headEnd type="none" w="med" len="med"/>
+                      <a:tailEnd type="none" w="med" len="med"/>
+                    </a:lnL>
+                    <a:lnR w="9525" cap="flat" cmpd="sng" algn="ctr">
+                      <a:solidFill>
+                        <a:schemeClr val="bg1">
+                          <a:lumMod val="75000"/>
+                        </a:schemeClr>
+                      </a:solidFill>
+                      <a:prstDash val="solid"/>
+                      <a:round/>
+                      <a:headEnd type="none" w="med" len="med"/>
+                      <a:tailEnd type="none" w="med" len="med"/>
+                    </a:lnR>
+                    <a:lnT w="9525" cap="flat" cmpd="sng" algn="ctr">
+                      <a:solidFill>
+                        <a:schemeClr val="bg1">
+                          <a:lumMod val="75000"/>
+                        </a:schemeClr>
+                      </a:solidFill>
+                      <a:prstDash val="solid"/>
+                      <a:round/>
+                      <a:headEnd type="none" w="med" len="med"/>
+                      <a:tailEnd type="none" w="med" len="med"/>
+                    </a:lnT>
+                    <a:lnB w="9525" cap="flat" cmpd="sng" algn="ctr">
+                      <a:solidFill>
+                        <a:schemeClr val="bg1">
+                          <a:lumMod val="75000"/>
+                        </a:schemeClr>
+                      </a:solidFill>
+                      <a:prstDash val="solid"/>
+                      <a:round/>
+                      <a:headEnd type="none" w="med" len="med"/>
+                      <a:tailEnd type="none" w="med" len="med"/>
+                    </a:lnB>
+                    <a:solidFill>
+                      <a:srgbClr val="41B6E5"/>
+                    </a:solidFill>
+                  </a:tcPr>
+                </a:tc>
+                <a:tc>
+                  <a:txBody>
+                    <a:bodyPr/>
+                    <a:lstStyle/>
+                    <a:p>
+                      <a:pPr algn="ctr"/>
+                      <a:r>
+                        <a:rPr kumimoji="1" lang="en" altLang="ja-JP" sz="1000">
+                          <a:latin typeface="+mn-ea"/>
+                          <a:ea typeface="+mn-ea"/>
+                        </a:rPr>
+                        <a:t>#41B6E5</a:t>
+                      </a:r>
+                      <a:endParaRPr kumimoji="1" lang="ja-JP" altLang="en-US" sz="1000">
+                        <a:latin typeface="+mn-ea"/>
+                        <a:ea typeface="+mn-ea"/>
+                      </a:endParaRPr>
+                    </a:p>
+                  </a:txBody>
+                  <a:tcPr anchor="ctr">
+                    <a:lnL w="9525" cap="flat" cmpd="sng" algn="ctr">
+                      <a:solidFill>
+                        <a:schemeClr val="bg1">
+                          <a:lumMod val="75000"/>
+                        </a:schemeClr>
+                      </a:solidFill>
+                      <a:prstDash val="solid"/>
+                      <a:round/>
+                      <a:headEnd type="none" w="med" len="med"/>
+                      <a:tailEnd type="none" w="med" len="med"/>
+                    </a:lnL>
+                    <a:lnR w="9525" cap="flat" cmpd="sng" algn="ctr">
+                      <a:solidFill>
+                        <a:schemeClr val="bg1">
+                          <a:lumMod val="75000"/>
+                        </a:schemeClr>
+                      </a:solidFill>
+                      <a:prstDash val="solid"/>
+                      <a:round/>
+                      <a:headEnd type="none" w="med" len="med"/>
+                      <a:tailEnd type="none" w="med" len="med"/>
+                    </a:lnR>
+                    <a:lnT w="9525" cap="flat" cmpd="sng" algn="ctr">
+                      <a:solidFill>
+                        <a:schemeClr val="bg1">
+                          <a:lumMod val="75000"/>
+                        </a:schemeClr>
+                      </a:solidFill>
+                      <a:prstDash val="solid"/>
+                      <a:round/>
+                      <a:headEnd type="none" w="med" len="med"/>
+                      <a:tailEnd type="none" w="med" len="med"/>
+                    </a:lnT>
+                    <a:lnB w="9525" cap="flat" cmpd="sng" algn="ctr">
+                      <a:solidFill>
+                        <a:schemeClr val="bg1">
+                          <a:lumMod val="75000"/>
+                        </a:schemeClr>
+                      </a:solidFill>
+                      <a:prstDash val="solid"/>
+                      <a:round/>
+                      <a:headEnd type="none" w="med" len="med"/>
+                      <a:tailEnd type="none" w="med" len="med"/>
+                    </a:lnB>
+                    <a:solidFill>
+                      <a:schemeClr val="bg1"/>
+                    </a:solidFill>
+                  </a:tcPr>
+                </a:tc>
+                <a:tc>
+                  <a:txBody>
+                    <a:bodyPr/>
+                    <a:lstStyle/>
+                    <a:p>
+                      <a:pPr marL="0" marR="0" lvl="0" indent="0" algn="ctr" defTabSz="914400" rtl="0" eaLnBrk="1" fontAlgn="auto" latinLnBrk="0" hangingPunct="1">
+                        <a:lnSpc>
+                          <a:spcPct val="100000"/>
+                        </a:lnSpc>
+                        <a:spcBef>
+                          <a:spcPts val="0"/>
+                        </a:spcBef>
+                        <a:spcAft>
+                          <a:spcPts val="0"/>
+                        </a:spcAft>
+                        <a:buClr>
+                          <a:srgbClr val="000000"/>
+                        </a:buClr>
+                        <a:buSzTx/>
+                        <a:buFont typeface="Arial"/>
+                        <a:buNone/>
+                        <a:tabLst/>
+                        <a:defRPr/>
+                      </a:pPr>
+                      <a:endParaRPr kumimoji="1" lang="ja-JP" altLang="en-US" sz="2400" strike="noStrike">
+                        <a:solidFill>
+                          <a:srgbClr val="277CEB"/>
+                        </a:solidFill>
+                        <a:effectLst>
+                          <a:outerShdw blurRad="63500" sx="102000" sy="102000" algn="ctr" rotWithShape="0">
+                            <a:prstClr val="black">
+                              <a:alpha val="40000"/>
+                            </a:prstClr>
+                          </a:outerShdw>
+                        </a:effectLst>
+                        <a:latin typeface="+mn-ea"/>
+                        <a:ea typeface="+mn-ea"/>
+                      </a:endParaRPr>
+                    </a:p>
+                  </a:txBody>
+                  <a:tcPr anchor="ctr">
+                    <a:lnL w="9525" cap="flat" cmpd="sng" algn="ctr">
+                      <a:solidFill>
+                        <a:schemeClr val="bg1">
+                          <a:lumMod val="75000"/>
+                        </a:schemeClr>
+                      </a:solidFill>
+                      <a:prstDash val="solid"/>
+                      <a:round/>
+                      <a:headEnd type="none" w="med" len="med"/>
+                      <a:tailEnd type="none" w="med" len="med"/>
+                    </a:lnL>
+                    <a:lnR w="9525" cap="flat" cmpd="sng" algn="ctr">
+                      <a:solidFill>
+                        <a:schemeClr val="bg1">
+                          <a:lumMod val="75000"/>
+                        </a:schemeClr>
+                      </a:solidFill>
+                      <a:prstDash val="solid"/>
+                      <a:round/>
+                      <a:headEnd type="none" w="med" len="med"/>
+                      <a:tailEnd type="none" w="med" len="med"/>
+                    </a:lnR>
+                    <a:lnT w="9525" cap="flat" cmpd="sng" algn="ctr">
+                      <a:solidFill>
+                        <a:schemeClr val="bg1">
+                          <a:lumMod val="75000"/>
+                        </a:schemeClr>
+                      </a:solidFill>
+                      <a:prstDash val="solid"/>
+                      <a:round/>
+                      <a:headEnd type="none" w="med" len="med"/>
+                      <a:tailEnd type="none" w="med" len="med"/>
+                    </a:lnT>
+                    <a:lnB w="9525" cap="flat" cmpd="sng" algn="ctr">
+                      <a:solidFill>
+                        <a:schemeClr val="bg1">
+                          <a:lumMod val="75000"/>
+                        </a:schemeClr>
+                      </a:solidFill>
+                      <a:prstDash val="solid"/>
+                      <a:round/>
+                      <a:headEnd type="none" w="med" len="med"/>
+                      <a:tailEnd type="none" w="med" len="med"/>
+                    </a:lnB>
+                    <a:solidFill>
+                      <a:srgbClr val="277CEB"/>
+                    </a:solidFill>
+                  </a:tcPr>
+                </a:tc>
+                <a:tc>
+                  <a:txBody>
+                    <a:bodyPr/>
+                    <a:lstStyle/>
+                    <a:p>
+                      <a:pPr algn="ctr"/>
+                      <a:r>
+                        <a:rPr kumimoji="1" lang="en" altLang="ja-JP" sz="1050">
+                          <a:latin typeface="+mn-ea"/>
+                          <a:ea typeface="+mn-ea"/>
+                        </a:rPr>
+                        <a:t>#277CEB</a:t>
+                      </a:r>
+                      <a:endParaRPr kumimoji="1" lang="ja-JP" altLang="en-US" sz="1050">
+                        <a:latin typeface="+mn-ea"/>
+                        <a:ea typeface="+mn-ea"/>
+                      </a:endParaRPr>
+                    </a:p>
+                  </a:txBody>
+                  <a:tcPr anchor="ctr">
+                    <a:lnL w="9525" cap="flat" cmpd="sng" algn="ctr">
+                      <a:solidFill>
+                        <a:schemeClr val="bg1">
+                          <a:lumMod val="75000"/>
+                        </a:schemeClr>
+                      </a:solidFill>
+                      <a:prstDash val="solid"/>
+                      <a:round/>
+                      <a:headEnd type="none" w="med" len="med"/>
+                      <a:tailEnd type="none" w="med" len="med"/>
+                    </a:lnL>
+                    <a:lnR w="9525" cap="flat" cmpd="sng" algn="ctr">
+                      <a:solidFill>
+                        <a:schemeClr val="bg1">
+                          <a:lumMod val="75000"/>
+                        </a:schemeClr>
+                      </a:solidFill>
+                      <a:prstDash val="solid"/>
+                      <a:round/>
+                      <a:headEnd type="none" w="med" len="med"/>
+                      <a:tailEnd type="none" w="med" len="med"/>
+                    </a:lnR>
+                    <a:lnT w="9525" cap="flat" cmpd="sng" algn="ctr">
+                      <a:solidFill>
+                        <a:schemeClr val="bg1">
+                          <a:lumMod val="75000"/>
+                        </a:schemeClr>
+                      </a:solidFill>
+                      <a:prstDash val="solid"/>
+                      <a:round/>
+                      <a:headEnd type="none" w="med" len="med"/>
+                      <a:tailEnd type="none" w="med" len="med"/>
+                    </a:lnT>
+                    <a:lnB w="9525" cap="flat" cmpd="sng" algn="ctr">
+                      <a:solidFill>
+                        <a:schemeClr val="bg1">
+                          <a:lumMod val="75000"/>
+                        </a:schemeClr>
+                      </a:solidFill>
+                      <a:prstDash val="solid"/>
+                      <a:round/>
+                      <a:headEnd type="none" w="med" len="med"/>
+                      <a:tailEnd type="none" w="med" len="med"/>
+                    </a:lnB>
+                    <a:solidFill>
+                      <a:schemeClr val="bg1"/>
+                    </a:solidFill>
+                  </a:tcPr>
+                </a:tc>
+                <a:extLst>
+                  <a:ext uri="{0D108BD9-81ED-4DB2-BD59-A6C34878D82A}">
+                    <a16:rowId xmlns:a16="http://schemas.microsoft.com/office/drawing/2014/main" val="2890718595"/>
+                  </a:ext>
+                </a:extLst>
+              </a:tr>
+              <a:tr h="440225">
+                <a:tc>
+                  <a:txBody>
+                    <a:bodyPr/>
+                    <a:lstStyle/>
+                    <a:p>
+                      <a:pPr algn="ctr"/>
+                      <a:r>
+                        <a:rPr kumimoji="1" lang="en" altLang="ja-JP" sz="1050">
+                          <a:latin typeface="+mn-ea"/>
+                          <a:ea typeface="+mn-ea"/>
+                        </a:rPr>
+                        <a:t>receivedMessageColor</a:t>
+                      </a:r>
+                      <a:endParaRPr kumimoji="1" lang="ja-JP" altLang="en-US" sz="1050">
+                        <a:latin typeface="+mn-ea"/>
+                        <a:ea typeface="+mn-ea"/>
+                      </a:endParaRPr>
+                    </a:p>
+                  </a:txBody>
+                  <a:tcPr anchor="ctr">
+                    <a:lnL w="9525" cap="flat" cmpd="sng" algn="ctr">
+                      <a:solidFill>
+                        <a:schemeClr val="bg1">
+                          <a:lumMod val="75000"/>
+                        </a:schemeClr>
+                      </a:solidFill>
+                      <a:prstDash val="solid"/>
+                      <a:round/>
+                      <a:headEnd type="none" w="med" len="med"/>
+                      <a:tailEnd type="none" w="med" len="med"/>
+                    </a:lnL>
+                    <a:lnR w="9525" cap="flat" cmpd="sng" algn="ctr">
+                      <a:solidFill>
+                        <a:schemeClr val="bg1">
+                          <a:lumMod val="75000"/>
+                        </a:schemeClr>
+                      </a:solidFill>
+                      <a:prstDash val="solid"/>
+                      <a:round/>
+                      <a:headEnd type="none" w="med" len="med"/>
+                      <a:tailEnd type="none" w="med" len="med"/>
+                    </a:lnR>
+                    <a:lnT w="9525" cap="flat" cmpd="sng" algn="ctr">
+                      <a:solidFill>
+                        <a:schemeClr val="bg1">
+                          <a:lumMod val="75000"/>
+                        </a:schemeClr>
+                      </a:solidFill>
+                      <a:prstDash val="solid"/>
+                      <a:round/>
+                      <a:headEnd type="none" w="med" len="med"/>
+                      <a:tailEnd type="none" w="med" len="med"/>
+                    </a:lnT>
+                    <a:lnB w="9525" cap="flat" cmpd="sng" algn="ctr">
+                      <a:solidFill>
+                        <a:schemeClr val="bg1">
+                          <a:lumMod val="75000"/>
+                        </a:schemeClr>
+                      </a:solidFill>
+                      <a:prstDash val="solid"/>
+                      <a:round/>
+                      <a:headEnd type="none" w="med" len="med"/>
+                      <a:tailEnd type="none" w="med" len="med"/>
+                    </a:lnB>
+                    <a:solidFill>
+                      <a:schemeClr val="bg1"/>
+                    </a:solidFill>
+                  </a:tcPr>
+                </a:tc>
+                <a:tc>
+                  <a:txBody>
+                    <a:bodyPr/>
+                    <a:lstStyle/>
+                    <a:p>
+                      <a:pPr algn="l"/>
+                      <a:r>
+                        <a:rPr kumimoji="1" lang="ja-JP" altLang="en-US" sz="800">
+                          <a:latin typeface="+mn-ea"/>
+                          <a:ea typeface="+mn-ea"/>
+                        </a:rPr>
+                        <a:t>・メンバーのメッセージ色</a:t>
+                      </a:r>
+                    </a:p>
+                  </a:txBody>
+                  <a:tcPr anchor="ctr">
+                    <a:lnL w="9525" cap="flat" cmpd="sng" algn="ctr">
+                      <a:solidFill>
+                        <a:schemeClr val="bg1">
+                          <a:lumMod val="75000"/>
+                        </a:schemeClr>
+                      </a:solidFill>
+                      <a:prstDash val="solid"/>
+                      <a:round/>
+                      <a:headEnd type="none" w="med" len="med"/>
+                      <a:tailEnd type="none" w="med" len="med"/>
+                    </a:lnL>
+                    <a:lnR w="9525" cap="flat" cmpd="sng" algn="ctr">
+                      <a:solidFill>
+                        <a:schemeClr val="bg1">
+                          <a:lumMod val="75000"/>
+                        </a:schemeClr>
+                      </a:solidFill>
+                      <a:prstDash val="solid"/>
+                      <a:round/>
+                      <a:headEnd type="none" w="med" len="med"/>
+                      <a:tailEnd type="none" w="med" len="med"/>
+                    </a:lnR>
+                    <a:lnT w="9525" cap="flat" cmpd="sng" algn="ctr">
+                      <a:solidFill>
+                        <a:schemeClr val="bg1">
+                          <a:lumMod val="75000"/>
+                        </a:schemeClr>
+                      </a:solidFill>
+                      <a:prstDash val="solid"/>
+                      <a:round/>
+                      <a:headEnd type="none" w="med" len="med"/>
+                      <a:tailEnd type="none" w="med" len="med"/>
+                    </a:lnT>
+                    <a:lnB w="9525" cap="flat" cmpd="sng" algn="ctr">
+                      <a:solidFill>
+                        <a:schemeClr val="bg1">
+                          <a:lumMod val="75000"/>
+                        </a:schemeClr>
+                      </a:solidFill>
+                      <a:prstDash val="solid"/>
+                      <a:round/>
+                      <a:headEnd type="none" w="med" len="med"/>
+                      <a:tailEnd type="none" w="med" len="med"/>
+                    </a:lnB>
+                    <a:solidFill>
+                      <a:schemeClr val="bg1"/>
+                    </a:solidFill>
+                  </a:tcPr>
+                </a:tc>
+                <a:tc>
+                  <a:txBody>
+                    <a:bodyPr/>
+                    <a:lstStyle/>
+                    <a:p>
+                      <a:pPr marL="0" marR="0" lvl="0" indent="0" algn="ctr" defTabSz="914400" rtl="0" eaLnBrk="1" fontAlgn="auto" latinLnBrk="0" hangingPunct="1">
+                        <a:lnSpc>
+                          <a:spcPct val="100000"/>
+                        </a:lnSpc>
+                        <a:spcBef>
+                          <a:spcPts val="0"/>
+                        </a:spcBef>
+                        <a:spcAft>
+                          <a:spcPts val="0"/>
+                        </a:spcAft>
+                        <a:buClr>
+                          <a:srgbClr val="000000"/>
+                        </a:buClr>
+                        <a:buSzTx/>
+                        <a:buFont typeface="Arial"/>
+                        <a:buNone/>
+                        <a:tabLst/>
+                        <a:defRPr/>
+                      </a:pPr>
+                      <a:endParaRPr kumimoji="1" lang="ja-JP" altLang="en-US" sz="2400" strike="noStrike">
+                        <a:solidFill>
+                          <a:srgbClr val="F0F8FF"/>
+                        </a:solidFill>
+                        <a:effectLst>
+                          <a:outerShdw blurRad="63500" sx="102000" sy="102000" algn="ctr" rotWithShape="0">
+                            <a:prstClr val="black">
+                              <a:alpha val="40000"/>
+                            </a:prstClr>
+                          </a:outerShdw>
+                        </a:effectLst>
+                        <a:latin typeface="+mn-ea"/>
+                        <a:ea typeface="+mn-ea"/>
+                      </a:endParaRPr>
+                    </a:p>
+                  </a:txBody>
+                  <a:tcPr anchor="ctr">
+                    <a:lnL w="9525" cap="flat" cmpd="sng" algn="ctr">
+                      <a:solidFill>
+                        <a:schemeClr val="bg1">
+                          <a:lumMod val="75000"/>
+                        </a:schemeClr>
+                      </a:solidFill>
+                      <a:prstDash val="solid"/>
+                      <a:round/>
+                      <a:headEnd type="none" w="med" len="med"/>
+                      <a:tailEnd type="none" w="med" len="med"/>
+                    </a:lnL>
+                    <a:lnR w="9525" cap="flat" cmpd="sng" algn="ctr">
+                      <a:solidFill>
+                        <a:schemeClr val="bg1">
+                          <a:lumMod val="75000"/>
+                        </a:schemeClr>
+                      </a:solidFill>
+                      <a:prstDash val="solid"/>
+                      <a:round/>
+                      <a:headEnd type="none" w="med" len="med"/>
+                      <a:tailEnd type="none" w="med" len="med"/>
+                    </a:lnR>
+                    <a:lnT w="9525" cap="flat" cmpd="sng" algn="ctr">
+                      <a:solidFill>
+                        <a:schemeClr val="bg1">
+                          <a:lumMod val="75000"/>
+                        </a:schemeClr>
+                      </a:solidFill>
+                      <a:prstDash val="solid"/>
+                      <a:round/>
+                      <a:headEnd type="none" w="med" len="med"/>
+                      <a:tailEnd type="none" w="med" len="med"/>
+                    </a:lnT>
+                    <a:lnB w="9525" cap="flat" cmpd="sng" algn="ctr">
+                      <a:solidFill>
+                        <a:schemeClr val="bg1">
+                          <a:lumMod val="75000"/>
+                        </a:schemeClr>
+                      </a:solidFill>
+                      <a:prstDash val="solid"/>
+                      <a:round/>
+                      <a:headEnd type="none" w="med" len="med"/>
+                      <a:tailEnd type="none" w="med" len="med"/>
+                    </a:lnB>
+                    <a:solidFill>
+                      <a:srgbClr val="E6E6E6"/>
+                    </a:solidFill>
+                  </a:tcPr>
+                </a:tc>
+                <a:tc>
+                  <a:txBody>
+                    <a:bodyPr/>
+                    <a:lstStyle/>
+                    <a:p>
+                      <a:pPr algn="ctr"/>
+                      <a:r>
+                        <a:rPr kumimoji="1" lang="en" altLang="ja-JP" sz="1000">
+                          <a:latin typeface="+mn-ea"/>
+                          <a:ea typeface="+mn-ea"/>
+                        </a:rPr>
+                        <a:t>#E6E6E6</a:t>
+                      </a:r>
+                      <a:endParaRPr kumimoji="1" lang="ja-JP" altLang="en-US" sz="1000">
+                        <a:latin typeface="+mn-ea"/>
+                        <a:ea typeface="+mn-ea"/>
+                      </a:endParaRPr>
+                    </a:p>
+                  </a:txBody>
+                  <a:tcPr anchor="ctr">
+                    <a:lnL w="9525" cap="flat" cmpd="sng" algn="ctr">
+                      <a:solidFill>
+                        <a:schemeClr val="bg1">
+                          <a:lumMod val="75000"/>
+                        </a:schemeClr>
+                      </a:solidFill>
+                      <a:prstDash val="solid"/>
+                      <a:round/>
+                      <a:headEnd type="none" w="med" len="med"/>
+                      <a:tailEnd type="none" w="med" len="med"/>
+                    </a:lnL>
+                    <a:lnR w="9525" cap="flat" cmpd="sng" algn="ctr">
+                      <a:solidFill>
+                        <a:schemeClr val="bg1">
+                          <a:lumMod val="75000"/>
+                        </a:schemeClr>
+                      </a:solidFill>
+                      <a:prstDash val="solid"/>
+                      <a:round/>
+                      <a:headEnd type="none" w="med" len="med"/>
+                      <a:tailEnd type="none" w="med" len="med"/>
+                    </a:lnR>
+                    <a:lnT w="9525" cap="flat" cmpd="sng" algn="ctr">
+                      <a:solidFill>
+                        <a:schemeClr val="bg1">
+                          <a:lumMod val="75000"/>
+                        </a:schemeClr>
+                      </a:solidFill>
+                      <a:prstDash val="solid"/>
+                      <a:round/>
+                      <a:headEnd type="none" w="med" len="med"/>
+                      <a:tailEnd type="none" w="med" len="med"/>
+                    </a:lnT>
+                    <a:lnB w="9525" cap="flat" cmpd="sng" algn="ctr">
+                      <a:solidFill>
+                        <a:schemeClr val="bg1">
+                          <a:lumMod val="75000"/>
+                        </a:schemeClr>
+                      </a:solidFill>
+                      <a:prstDash val="solid"/>
+                      <a:round/>
+                      <a:headEnd type="none" w="med" len="med"/>
+                      <a:tailEnd type="none" w="med" len="med"/>
+                    </a:lnB>
+                    <a:solidFill>
+                      <a:schemeClr val="bg1"/>
+                    </a:solidFill>
+                  </a:tcPr>
+                </a:tc>
+                <a:tc>
+                  <a:txBody>
+                    <a:bodyPr/>
+                    <a:lstStyle/>
+                    <a:p>
+                      <a:pPr marL="0" marR="0" lvl="0" indent="0" algn="ctr" defTabSz="914400" rtl="0" eaLnBrk="1" fontAlgn="auto" latinLnBrk="0" hangingPunct="1">
+                        <a:lnSpc>
+                          <a:spcPct val="100000"/>
+                        </a:lnSpc>
+                        <a:spcBef>
+                          <a:spcPts val="0"/>
+                        </a:spcBef>
+                        <a:spcAft>
+                          <a:spcPts val="0"/>
+                        </a:spcAft>
+                        <a:buClr>
+                          <a:srgbClr val="000000"/>
+                        </a:buClr>
+                        <a:buSzTx/>
+                        <a:buFont typeface="Arial"/>
+                        <a:buNone/>
+                        <a:tabLst/>
+                        <a:defRPr/>
+                      </a:pPr>
+                      <a:endParaRPr kumimoji="1" lang="ja-JP" altLang="en-US" sz="2400" strike="noStrike">
+                        <a:solidFill>
+                          <a:srgbClr val="F0F8FF"/>
+                        </a:solidFill>
+                        <a:effectLst>
+                          <a:outerShdw blurRad="63500" sx="102000" sy="102000" algn="ctr" rotWithShape="0">
+                            <a:prstClr val="black">
+                              <a:alpha val="40000"/>
+                            </a:prstClr>
+                          </a:outerShdw>
+                        </a:effectLst>
+                        <a:latin typeface="+mn-ea"/>
+                        <a:ea typeface="+mn-ea"/>
+                      </a:endParaRPr>
+                    </a:p>
+                  </a:txBody>
+                  <a:tcPr anchor="ctr">
+                    <a:lnL w="9525" cap="flat" cmpd="sng" algn="ctr">
+                      <a:solidFill>
+                        <a:schemeClr val="bg1">
+                          <a:lumMod val="75000"/>
+                        </a:schemeClr>
+                      </a:solidFill>
+                      <a:prstDash val="solid"/>
+                      <a:round/>
+                      <a:headEnd type="none" w="med" len="med"/>
+                      <a:tailEnd type="none" w="med" len="med"/>
+                    </a:lnL>
+                    <a:lnR w="9525" cap="flat" cmpd="sng" algn="ctr">
+                      <a:solidFill>
+                        <a:schemeClr val="bg1">
+                          <a:lumMod val="75000"/>
+                        </a:schemeClr>
+                      </a:solidFill>
+                      <a:prstDash val="solid"/>
+                      <a:round/>
+                      <a:headEnd type="none" w="med" len="med"/>
+                      <a:tailEnd type="none" w="med" len="med"/>
+                    </a:lnR>
+                    <a:lnT w="9525" cap="flat" cmpd="sng" algn="ctr">
+                      <a:solidFill>
+                        <a:schemeClr val="bg1">
+                          <a:lumMod val="75000"/>
+                        </a:schemeClr>
+                      </a:solidFill>
+                      <a:prstDash val="solid"/>
+                      <a:round/>
+                      <a:headEnd type="none" w="med" len="med"/>
+                      <a:tailEnd type="none" w="med" len="med"/>
+                    </a:lnT>
+                    <a:lnB w="9525" cap="flat" cmpd="sng" algn="ctr">
+                      <a:solidFill>
+                        <a:schemeClr val="bg1">
+                          <a:lumMod val="75000"/>
+                        </a:schemeClr>
+                      </a:solidFill>
+                      <a:prstDash val="solid"/>
+                      <a:round/>
+                      <a:headEnd type="none" w="med" len="med"/>
+                      <a:tailEnd type="none" w="med" len="med"/>
+                    </a:lnB>
+                    <a:solidFill>
+                      <a:srgbClr val="5E5E5E"/>
+                    </a:solidFill>
+                  </a:tcPr>
+                </a:tc>
+                <a:tc>
+                  <a:txBody>
+                    <a:bodyPr/>
+                    <a:lstStyle/>
+                    <a:p>
+                      <a:pPr algn="ctr"/>
+                      <a:r>
+                        <a:rPr kumimoji="1" lang="en" altLang="ja-JP" sz="1050">
+                          <a:latin typeface="+mn-ea"/>
+                          <a:ea typeface="+mn-ea"/>
+                        </a:rPr>
+                        <a:t>#5E5E5E</a:t>
+                      </a:r>
+                      <a:endParaRPr kumimoji="1" lang="ja-JP" altLang="en-US" sz="1050">
+                        <a:latin typeface="+mn-ea"/>
+                        <a:ea typeface="+mn-ea"/>
+                      </a:endParaRPr>
+                    </a:p>
+                  </a:txBody>
+                  <a:tcPr anchor="ctr">
+                    <a:lnL w="9525" cap="flat" cmpd="sng" algn="ctr">
+                      <a:solidFill>
+                        <a:schemeClr val="bg1">
+                          <a:lumMod val="75000"/>
+                        </a:schemeClr>
+                      </a:solidFill>
+                      <a:prstDash val="solid"/>
+                      <a:round/>
+                      <a:headEnd type="none" w="med" len="med"/>
+                      <a:tailEnd type="none" w="med" len="med"/>
+                    </a:lnL>
+                    <a:lnR w="9525" cap="flat" cmpd="sng" algn="ctr">
+                      <a:solidFill>
+                        <a:schemeClr val="bg1">
+                          <a:lumMod val="75000"/>
+                        </a:schemeClr>
+                      </a:solidFill>
+                      <a:prstDash val="solid"/>
+                      <a:round/>
+                      <a:headEnd type="none" w="med" len="med"/>
+                      <a:tailEnd type="none" w="med" len="med"/>
+                    </a:lnR>
+                    <a:lnT w="9525" cap="flat" cmpd="sng" algn="ctr">
+                      <a:solidFill>
+                        <a:schemeClr val="bg1">
+                          <a:lumMod val="75000"/>
+                        </a:schemeClr>
+                      </a:solidFill>
+                      <a:prstDash val="solid"/>
+                      <a:round/>
+                      <a:headEnd type="none" w="med" len="med"/>
+                      <a:tailEnd type="none" w="med" len="med"/>
+                    </a:lnT>
+                    <a:lnB w="9525" cap="flat" cmpd="sng" algn="ctr">
+                      <a:solidFill>
+                        <a:schemeClr val="bg1">
+                          <a:lumMod val="75000"/>
+                        </a:schemeClr>
+                      </a:solidFill>
+                      <a:prstDash val="solid"/>
+                      <a:round/>
+                      <a:headEnd type="none" w="med" len="med"/>
+                      <a:tailEnd type="none" w="med" len="med"/>
+                    </a:lnB>
+                    <a:solidFill>
+                      <a:schemeClr val="bg1"/>
+                    </a:solidFill>
+                  </a:tcPr>
+                </a:tc>
+                <a:extLst>
+                  <a:ext uri="{0D108BD9-81ED-4DB2-BD59-A6C34878D82A}">
+                    <a16:rowId xmlns:a16="http://schemas.microsoft.com/office/drawing/2014/main" val="3671229090"/>
+                  </a:ext>
+                </a:extLst>
+              </a:tr>
+              <a:tr h="440225">
+                <a:tc>
+                  <a:txBody>
+                    <a:bodyPr/>
+                    <a:lstStyle/>
+                    <a:p>
+                      <a:pPr algn="ctr"/>
+                      <a:r>
+                        <a:rPr kumimoji="1" lang="en-US" altLang="ja-JP" sz="1050">
+                          <a:latin typeface="+mn-ea"/>
+                          <a:ea typeface="+mn-ea"/>
+                        </a:rPr>
+                        <a:t>secondary</a:t>
+                      </a:r>
+                      <a:endParaRPr kumimoji="1" lang="ja-JP" altLang="en-US" sz="1050">
+                        <a:latin typeface="+mn-ea"/>
+                        <a:ea typeface="+mn-ea"/>
+                      </a:endParaRPr>
+                    </a:p>
+                  </a:txBody>
+                  <a:tcPr anchor="ctr">
+                    <a:lnL w="9525" cap="flat" cmpd="sng" algn="ctr">
+                      <a:solidFill>
+                        <a:schemeClr val="bg1">
+                          <a:lumMod val="75000"/>
+                        </a:schemeClr>
+                      </a:solidFill>
+                      <a:prstDash val="solid"/>
+                      <a:round/>
+                      <a:headEnd type="none" w="med" len="med"/>
+                      <a:tailEnd type="none" w="med" len="med"/>
+                    </a:lnL>
+                    <a:lnR w="9525" cap="flat" cmpd="sng" algn="ctr">
+                      <a:solidFill>
+                        <a:schemeClr val="bg1">
+                          <a:lumMod val="75000"/>
+                        </a:schemeClr>
+                      </a:solidFill>
+                      <a:prstDash val="solid"/>
+                      <a:round/>
+                      <a:headEnd type="none" w="med" len="med"/>
+                      <a:tailEnd type="none" w="med" len="med"/>
+                    </a:lnR>
+                    <a:lnT w="9525" cap="flat" cmpd="sng" algn="ctr">
+                      <a:solidFill>
+                        <a:schemeClr val="bg1">
+                          <a:lumMod val="75000"/>
+                        </a:schemeClr>
+                      </a:solidFill>
+                      <a:prstDash val="solid"/>
+                      <a:round/>
+                      <a:headEnd type="none" w="med" len="med"/>
+                      <a:tailEnd type="none" w="med" len="med"/>
+                    </a:lnT>
+                    <a:lnB w="9525" cap="flat" cmpd="sng" algn="ctr">
+                      <a:solidFill>
+                        <a:schemeClr val="bg1">
+                          <a:lumMod val="75000"/>
+                        </a:schemeClr>
+                      </a:solidFill>
+                      <a:prstDash val="solid"/>
+                      <a:round/>
+                      <a:headEnd type="none" w="med" len="med"/>
+                      <a:tailEnd type="none" w="med" len="med"/>
+                    </a:lnB>
+                    <a:solidFill>
+                      <a:schemeClr val="bg1"/>
+                    </a:solidFill>
+                  </a:tcPr>
+                </a:tc>
+                <a:tc>
+                  <a:txBody>
+                    <a:bodyPr/>
+                    <a:lstStyle/>
+                    <a:p>
+                      <a:pPr algn="l"/>
+                      <a:r>
+                        <a:rPr kumimoji="1" lang="ja-JP" altLang="en-US" sz="800">
+                          <a:latin typeface="+mn-ea"/>
+                          <a:ea typeface="+mn-ea"/>
+                        </a:rPr>
+                        <a:t>・補足説明テキスト</a:t>
+                      </a:r>
+                      <a:endParaRPr kumimoji="1" lang="en-US" altLang="ja-JP" sz="800">
+                        <a:latin typeface="+mn-ea"/>
+                        <a:ea typeface="+mn-ea"/>
+                      </a:endParaRPr>
+                    </a:p>
+                    <a:p>
+                      <a:pPr algn="l"/>
+                      <a:r>
+                        <a:rPr kumimoji="1" lang="ja-JP" altLang="en-US" sz="800">
+                          <a:latin typeface="+mn-ea"/>
+                          <a:ea typeface="+mn-ea"/>
+                        </a:rPr>
+                        <a:t>・メッセージの日付表示</a:t>
+                      </a:r>
+                      <a:endParaRPr kumimoji="1" lang="en-US" altLang="ja-JP" sz="800">
+                        <a:latin typeface="+mn-ea"/>
+                        <a:ea typeface="+mn-ea"/>
+                      </a:endParaRPr>
+                    </a:p>
+                  </a:txBody>
+                  <a:tcPr anchor="ctr">
+                    <a:lnL w="9525" cap="flat" cmpd="sng" algn="ctr">
+                      <a:solidFill>
+                        <a:schemeClr val="bg1">
+                          <a:lumMod val="75000"/>
+                        </a:schemeClr>
+                      </a:solidFill>
+                      <a:prstDash val="solid"/>
+                      <a:round/>
+                      <a:headEnd type="none" w="med" len="med"/>
+                      <a:tailEnd type="none" w="med" len="med"/>
+                    </a:lnL>
+                    <a:lnR w="9525" cap="flat" cmpd="sng" algn="ctr">
+                      <a:solidFill>
+                        <a:schemeClr val="bg1">
+                          <a:lumMod val="75000"/>
+                        </a:schemeClr>
+                      </a:solidFill>
+                      <a:prstDash val="solid"/>
+                      <a:round/>
+                      <a:headEnd type="none" w="med" len="med"/>
+                      <a:tailEnd type="none" w="med" len="med"/>
+                    </a:lnR>
+                    <a:lnT w="9525" cap="flat" cmpd="sng" algn="ctr">
+                      <a:solidFill>
+                        <a:schemeClr val="bg1">
+                          <a:lumMod val="75000"/>
+                        </a:schemeClr>
+                      </a:solidFill>
+                      <a:prstDash val="solid"/>
+                      <a:round/>
+                      <a:headEnd type="none" w="med" len="med"/>
+                      <a:tailEnd type="none" w="med" len="med"/>
+                    </a:lnT>
+                    <a:lnB w="9525" cap="flat" cmpd="sng" algn="ctr">
+                      <a:solidFill>
+                        <a:schemeClr val="bg1">
+                          <a:lumMod val="75000"/>
+                        </a:schemeClr>
+                      </a:solidFill>
+                      <a:prstDash val="solid"/>
+                      <a:round/>
+                      <a:headEnd type="none" w="med" len="med"/>
+                      <a:tailEnd type="none" w="med" len="med"/>
+                    </a:lnB>
+                    <a:solidFill>
+                      <a:schemeClr val="bg1"/>
+                    </a:solidFill>
+                  </a:tcPr>
+                </a:tc>
+                <a:tc>
+                  <a:txBody>
+                    <a:bodyPr/>
+                    <a:lstStyle/>
+                    <a:p>
+                      <a:pPr marL="0" marR="0" lvl="0" indent="0" algn="ctr" defTabSz="914400" rtl="0" eaLnBrk="1" fontAlgn="auto" latinLnBrk="0" hangingPunct="1">
+                        <a:lnSpc>
+                          <a:spcPct val="100000"/>
+                        </a:lnSpc>
+                        <a:spcBef>
+                          <a:spcPts val="0"/>
+                        </a:spcBef>
+                        <a:spcAft>
+                          <a:spcPts val="0"/>
+                        </a:spcAft>
+                        <a:buClr>
+                          <a:srgbClr val="000000"/>
+                        </a:buClr>
+                        <a:buSzTx/>
+                        <a:buFont typeface="Arial"/>
+                        <a:buNone/>
+                        <a:tabLst/>
+                        <a:defRPr/>
+                      </a:pPr>
+                      <a:endParaRPr kumimoji="1" lang="ja-JP" altLang="en-US" sz="2400" strike="noStrike">
+                        <a:solidFill>
+                          <a:srgbClr val="F0F8FF"/>
+                        </a:solidFill>
+                        <a:effectLst>
+                          <a:outerShdw blurRad="63500" sx="102000" sy="102000" algn="ctr" rotWithShape="0">
+                            <a:prstClr val="black">
+                              <a:alpha val="40000"/>
+                            </a:prstClr>
+                          </a:outerShdw>
+                        </a:effectLst>
+                        <a:latin typeface="+mn-ea"/>
+                        <a:ea typeface="+mn-ea"/>
+                      </a:endParaRPr>
+                    </a:p>
+                  </a:txBody>
+                  <a:tcPr anchor="ctr">
+                    <a:lnL w="9525" cap="flat" cmpd="sng" algn="ctr">
+                      <a:solidFill>
+                        <a:schemeClr val="bg1">
+                          <a:lumMod val="75000"/>
+                        </a:schemeClr>
+                      </a:solidFill>
+                      <a:prstDash val="solid"/>
+                      <a:round/>
+                      <a:headEnd type="none" w="med" len="med"/>
+                      <a:tailEnd type="none" w="med" len="med"/>
+                    </a:lnL>
+                    <a:lnR w="9525" cap="flat" cmpd="sng" algn="ctr">
+                      <a:solidFill>
+                        <a:schemeClr val="bg1">
+                          <a:lumMod val="75000"/>
+                        </a:schemeClr>
+                      </a:solidFill>
+                      <a:prstDash val="solid"/>
+                      <a:round/>
+                      <a:headEnd type="none" w="med" len="med"/>
+                      <a:tailEnd type="none" w="med" len="med"/>
+                    </a:lnR>
+                    <a:lnT w="9525" cap="flat" cmpd="sng" algn="ctr">
+                      <a:solidFill>
+                        <a:schemeClr val="bg1">
+                          <a:lumMod val="75000"/>
+                        </a:schemeClr>
+                      </a:solidFill>
+                      <a:prstDash val="solid"/>
+                      <a:round/>
+                      <a:headEnd type="none" w="med" len="med"/>
+                      <a:tailEnd type="none" w="med" len="med"/>
+                    </a:lnT>
+                    <a:lnB w="9525" cap="flat" cmpd="sng" algn="ctr">
+                      <a:solidFill>
+                        <a:schemeClr val="bg1">
+                          <a:lumMod val="75000"/>
+                        </a:schemeClr>
+                      </a:solidFill>
+                      <a:prstDash val="solid"/>
+                      <a:round/>
+                      <a:headEnd type="none" w="med" len="med"/>
+                      <a:tailEnd type="none" w="med" len="med"/>
+                    </a:lnB>
+                    <a:solidFill>
+                      <a:srgbClr val="E6E6E6"/>
+                    </a:solidFill>
+                  </a:tcPr>
+                </a:tc>
+                <a:tc>
+                  <a:txBody>
+                    <a:bodyPr/>
+                    <a:lstStyle/>
+                    <a:p>
+                      <a:pPr algn="ctr"/>
+                      <a:endParaRPr kumimoji="1" lang="ja-JP" altLang="en-US" sz="1000">
+                        <a:latin typeface="+mn-ea"/>
+                        <a:ea typeface="+mn-ea"/>
+                      </a:endParaRPr>
+                    </a:p>
+                  </a:txBody>
+                  <a:tcPr anchor="ctr">
+                    <a:lnL w="9525" cap="flat" cmpd="sng" algn="ctr">
+                      <a:solidFill>
+                        <a:schemeClr val="bg1">
+                          <a:lumMod val="75000"/>
+                        </a:schemeClr>
+                      </a:solidFill>
+                      <a:prstDash val="solid"/>
+                      <a:round/>
+                      <a:headEnd type="none" w="med" len="med"/>
+                      <a:tailEnd type="none" w="med" len="med"/>
+                    </a:lnL>
+                    <a:lnR w="9525" cap="flat" cmpd="sng" algn="ctr">
+                      <a:solidFill>
+                        <a:schemeClr val="bg1">
+                          <a:lumMod val="75000"/>
+                        </a:schemeClr>
+                      </a:solidFill>
+                      <a:prstDash val="solid"/>
+                      <a:round/>
+                      <a:headEnd type="none" w="med" len="med"/>
+                      <a:tailEnd type="none" w="med" len="med"/>
+                    </a:lnR>
+                    <a:lnT w="9525" cap="flat" cmpd="sng" algn="ctr">
+                      <a:solidFill>
+                        <a:schemeClr val="bg1">
+                          <a:lumMod val="75000"/>
+                        </a:schemeClr>
+                      </a:solidFill>
+                      <a:prstDash val="solid"/>
+                      <a:round/>
+                      <a:headEnd type="none" w="med" len="med"/>
+                      <a:tailEnd type="none" w="med" len="med"/>
+                    </a:lnT>
+                    <a:lnB w="9525" cap="flat" cmpd="sng" algn="ctr">
+                      <a:solidFill>
+                        <a:schemeClr val="bg1">
+                          <a:lumMod val="75000"/>
+                        </a:schemeClr>
+                      </a:solidFill>
+                      <a:prstDash val="solid"/>
+                      <a:round/>
+                      <a:headEnd type="none" w="med" len="med"/>
+                      <a:tailEnd type="none" w="med" len="med"/>
+                    </a:lnB>
+                    <a:solidFill>
+                      <a:schemeClr val="bg1"/>
+                    </a:solidFill>
+                  </a:tcPr>
+                </a:tc>
+                <a:tc>
+                  <a:txBody>
+                    <a:bodyPr/>
+                    <a:lstStyle/>
+                    <a:p>
+                      <a:pPr marL="0" marR="0" lvl="0" indent="0" algn="ctr" defTabSz="914400" rtl="0" eaLnBrk="1" fontAlgn="auto" latinLnBrk="0" hangingPunct="1">
+                        <a:lnSpc>
+                          <a:spcPct val="100000"/>
+                        </a:lnSpc>
+                        <a:spcBef>
+                          <a:spcPts val="0"/>
+                        </a:spcBef>
+                        <a:spcAft>
+                          <a:spcPts val="0"/>
+                        </a:spcAft>
+                        <a:buClr>
+                          <a:srgbClr val="000000"/>
+                        </a:buClr>
+                        <a:buSzTx/>
+                        <a:buFont typeface="Arial"/>
+                        <a:buNone/>
+                        <a:tabLst/>
+                        <a:defRPr/>
+                      </a:pPr>
+                      <a:endParaRPr kumimoji="1" lang="ja-JP" altLang="en-US" sz="2400" strike="noStrike">
+                        <a:solidFill>
+                          <a:srgbClr val="F0F8FF"/>
+                        </a:solidFill>
+                        <a:effectLst>
+                          <a:outerShdw blurRad="63500" sx="102000" sy="102000" algn="ctr" rotWithShape="0">
+                            <a:prstClr val="black">
+                              <a:alpha val="40000"/>
+                            </a:prstClr>
+                          </a:outerShdw>
+                        </a:effectLst>
+                        <a:latin typeface="+mn-ea"/>
+                        <a:ea typeface="+mn-ea"/>
+                      </a:endParaRPr>
+                    </a:p>
+                  </a:txBody>
+                  <a:tcPr anchor="ctr">
+                    <a:lnL w="9525" cap="flat" cmpd="sng" algn="ctr">
+                      <a:solidFill>
+                        <a:schemeClr val="bg1">
+                          <a:lumMod val="75000"/>
+                        </a:schemeClr>
+                      </a:solidFill>
+                      <a:prstDash val="solid"/>
+                      <a:round/>
+                      <a:headEnd type="none" w="med" len="med"/>
+                      <a:tailEnd type="none" w="med" len="med"/>
+                    </a:lnL>
+                    <a:lnR w="9525" cap="flat" cmpd="sng" algn="ctr">
+                      <a:solidFill>
+                        <a:schemeClr val="bg1">
+                          <a:lumMod val="75000"/>
+                        </a:schemeClr>
+                      </a:solidFill>
+                      <a:prstDash val="solid"/>
+                      <a:round/>
+                      <a:headEnd type="none" w="med" len="med"/>
+                      <a:tailEnd type="none" w="med" len="med"/>
+                    </a:lnR>
+                    <a:lnT w="9525" cap="flat" cmpd="sng" algn="ctr">
+                      <a:solidFill>
+                        <a:schemeClr val="bg1">
+                          <a:lumMod val="75000"/>
+                        </a:schemeClr>
+                      </a:solidFill>
+                      <a:prstDash val="solid"/>
+                      <a:round/>
+                      <a:headEnd type="none" w="med" len="med"/>
+                      <a:tailEnd type="none" w="med" len="med"/>
+                    </a:lnT>
+                    <a:lnB w="9525" cap="flat" cmpd="sng" algn="ctr">
+                      <a:solidFill>
+                        <a:schemeClr val="bg1">
+                          <a:lumMod val="75000"/>
+                        </a:schemeClr>
+                      </a:solidFill>
+                      <a:prstDash val="solid"/>
+                      <a:round/>
+                      <a:headEnd type="none" w="med" len="med"/>
+                      <a:tailEnd type="none" w="med" len="med"/>
+                    </a:lnB>
+                    <a:solidFill>
+                      <a:srgbClr val="5E5E5E"/>
+                    </a:solidFill>
+                  </a:tcPr>
+                </a:tc>
+                <a:tc>
+                  <a:txBody>
+                    <a:bodyPr/>
+                    <a:lstStyle/>
+                    <a:p>
+                      <a:pPr algn="ctr"/>
+                      <a:endParaRPr kumimoji="1" lang="ja-JP" altLang="en-US" sz="1050">
+                        <a:latin typeface="+mn-ea"/>
+                        <a:ea typeface="+mn-ea"/>
+                      </a:endParaRPr>
+                    </a:p>
+                  </a:txBody>
+                  <a:tcPr anchor="ctr">
+                    <a:lnL w="9525" cap="flat" cmpd="sng" algn="ctr">
+                      <a:solidFill>
+                        <a:schemeClr val="bg1">
+                          <a:lumMod val="75000"/>
+                        </a:schemeClr>
+                      </a:solidFill>
+                      <a:prstDash val="solid"/>
+                      <a:round/>
+                      <a:headEnd type="none" w="med" len="med"/>
+                      <a:tailEnd type="none" w="med" len="med"/>
+                    </a:lnL>
+                    <a:lnR w="9525" cap="flat" cmpd="sng" algn="ctr">
+                      <a:solidFill>
+                        <a:schemeClr val="bg1">
+                          <a:lumMod val="75000"/>
+                        </a:schemeClr>
+                      </a:solidFill>
+                      <a:prstDash val="solid"/>
+                      <a:round/>
+                      <a:headEnd type="none" w="med" len="med"/>
+                      <a:tailEnd type="none" w="med" len="med"/>
+                    </a:lnR>
+                    <a:lnT w="9525" cap="flat" cmpd="sng" algn="ctr">
+                      <a:solidFill>
+                        <a:schemeClr val="bg1">
+                          <a:lumMod val="75000"/>
+                        </a:schemeClr>
+                      </a:solidFill>
+                      <a:prstDash val="solid"/>
+                      <a:round/>
+                      <a:headEnd type="none" w="med" len="med"/>
+                      <a:tailEnd type="none" w="med" len="med"/>
+                    </a:lnT>
+                    <a:lnB w="9525" cap="flat" cmpd="sng" algn="ctr">
+                      <a:solidFill>
+                        <a:schemeClr val="bg1">
+                          <a:lumMod val="75000"/>
+                        </a:schemeClr>
+                      </a:solidFill>
+                      <a:prstDash val="solid"/>
+                      <a:round/>
+                      <a:headEnd type="none" w="med" len="med"/>
+                      <a:tailEnd type="none" w="med" len="med"/>
+                    </a:lnB>
+                    <a:solidFill>
+                      <a:schemeClr val="bg1"/>
+                    </a:solidFill>
+                  </a:tcPr>
+                </a:tc>
+                <a:extLst>
+                  <a:ext uri="{0D108BD9-81ED-4DB2-BD59-A6C34878D82A}">
+                    <a16:rowId xmlns:a16="http://schemas.microsoft.com/office/drawing/2014/main" val="406223453"/>
                   </a:ext>
                 </a:extLst>
               </a:tr>
